--- a/Publications/Presentation2013-11-R21HIV-RFBS Project design/REDCap-ThomasAndDavid.pptx
+++ b/Publications/Presentation2013-11-R21HIV-RFBS Project design/REDCap-ThomasAndDavid.pptx
@@ -10,38 +10,41 @@
     <p:sldId id="295" r:id="rId4"/>
     <p:sldId id="264" r:id="rId5"/>
     <p:sldId id="306" r:id="rId6"/>
-    <p:sldId id="296" r:id="rId7"/>
-    <p:sldId id="265" r:id="rId8"/>
-    <p:sldId id="276" r:id="rId9"/>
-    <p:sldId id="300" r:id="rId10"/>
-    <p:sldId id="269" r:id="rId11"/>
-    <p:sldId id="271" r:id="rId12"/>
-    <p:sldId id="272" r:id="rId13"/>
-    <p:sldId id="310" r:id="rId14"/>
-    <p:sldId id="311" r:id="rId15"/>
-    <p:sldId id="312" r:id="rId16"/>
-    <p:sldId id="313" r:id="rId17"/>
-    <p:sldId id="314" r:id="rId18"/>
-    <p:sldId id="315" r:id="rId19"/>
-    <p:sldId id="316" r:id="rId20"/>
-    <p:sldId id="317" r:id="rId21"/>
-    <p:sldId id="318" r:id="rId22"/>
-    <p:sldId id="286" r:id="rId23"/>
-    <p:sldId id="294" r:id="rId24"/>
-    <p:sldId id="291" r:id="rId25"/>
-    <p:sldId id="320" r:id="rId26"/>
-    <p:sldId id="321" r:id="rId27"/>
-    <p:sldId id="322" r:id="rId28"/>
-    <p:sldId id="293" r:id="rId29"/>
-    <p:sldId id="323" r:id="rId30"/>
-    <p:sldId id="288" r:id="rId31"/>
-    <p:sldId id="289" r:id="rId32"/>
-    <p:sldId id="285" r:id="rId33"/>
-    <p:sldId id="292" r:id="rId34"/>
-    <p:sldId id="262" r:id="rId35"/>
-    <p:sldId id="319" r:id="rId36"/>
-    <p:sldId id="307" r:id="rId37"/>
-    <p:sldId id="324" r:id="rId38"/>
+    <p:sldId id="325" r:id="rId7"/>
+    <p:sldId id="296" r:id="rId8"/>
+    <p:sldId id="326" r:id="rId9"/>
+    <p:sldId id="265" r:id="rId10"/>
+    <p:sldId id="327" r:id="rId11"/>
+    <p:sldId id="276" r:id="rId12"/>
+    <p:sldId id="300" r:id="rId13"/>
+    <p:sldId id="269" r:id="rId14"/>
+    <p:sldId id="271" r:id="rId15"/>
+    <p:sldId id="272" r:id="rId16"/>
+    <p:sldId id="310" r:id="rId17"/>
+    <p:sldId id="311" r:id="rId18"/>
+    <p:sldId id="312" r:id="rId19"/>
+    <p:sldId id="313" r:id="rId20"/>
+    <p:sldId id="314" r:id="rId21"/>
+    <p:sldId id="315" r:id="rId22"/>
+    <p:sldId id="316" r:id="rId23"/>
+    <p:sldId id="317" r:id="rId24"/>
+    <p:sldId id="318" r:id="rId25"/>
+    <p:sldId id="286" r:id="rId26"/>
+    <p:sldId id="294" r:id="rId27"/>
+    <p:sldId id="291" r:id="rId28"/>
+    <p:sldId id="320" r:id="rId29"/>
+    <p:sldId id="321" r:id="rId30"/>
+    <p:sldId id="322" r:id="rId31"/>
+    <p:sldId id="293" r:id="rId32"/>
+    <p:sldId id="323" r:id="rId33"/>
+    <p:sldId id="288" r:id="rId34"/>
+    <p:sldId id="289" r:id="rId35"/>
+    <p:sldId id="285" r:id="rId36"/>
+    <p:sldId id="292" r:id="rId37"/>
+    <p:sldId id="262" r:id="rId38"/>
+    <p:sldId id="319" r:id="rId39"/>
+    <p:sldId id="307" r:id="rId40"/>
+    <p:sldId id="324" r:id="rId41"/>
   </p:sldIdLst>
   <p:sldSz cx="9144000" cy="6858000" type="screen4x3"/>
   <p:notesSz cx="6858000" cy="9144000"/>
@@ -142,7 +145,7 @@
   </p:defaultTextStyle>
   <p:extLst>
     <p:ext uri="{EFAFB233-063F-42B5-8137-9DF3F51BA10A}">
-      <p15:sldGuideLst xmlns="" xmlns:p15="http://schemas.microsoft.com/office/powerpoint/2012/main">
+      <p15:sldGuideLst xmlns:p15="http://schemas.microsoft.com/office/powerpoint/2012/main" xmlns="">
         <p15:guide id="1" orient="horz" pos="2160">
           <p15:clr>
             <a:srgbClr val="A4A3A4"/>
@@ -3212,15 +3215,7 @@
           <a:p>
             <a:r>
               <a:rPr lang="en-US" dirty="0" smtClean="0"/>
-              <a:t>November </a:t>
-            </a:r>
-            <a:r>
-              <a:rPr lang="en-US" dirty="0" smtClean="0"/>
-              <a:t>21, </a:t>
-            </a:r>
-            <a:r>
-              <a:rPr lang="en-US" dirty="0" smtClean="0"/>
-              <a:t>2013</a:t>
+              <a:t>November 21, 2013</a:t>
             </a:r>
             <a:endParaRPr lang="en-US" dirty="0"/>
           </a:p>
@@ -3276,6 +3271,401 @@
         <p:spPr>
           <a:xfrm>
             <a:off x="76200" y="76200"/>
+            <a:ext cx="3200400" cy="1477962"/>
+          </a:xfrm>
+          <a:solidFill>
+            <a:srgbClr val="9E0142"/>
+          </a:solidFill>
+        </p:spPr>
+        <p:txBody>
+          <a:bodyPr>
+            <a:normAutofit/>
+          </a:bodyPr>
+          <a:lstStyle/>
+          <a:p>
+            <a:r>
+              <a:rPr lang="en-US" dirty="0" smtClean="0"/>
+              <a:t>Example </a:t>
+            </a:r>
+            <a:r>
+              <a:rPr lang="en-US" dirty="0" smtClean="0"/>
+              <a:t>Data Entry</a:t>
+            </a:r>
+            <a:endParaRPr lang="en-US" dirty="0"/>
+          </a:p>
+        </p:txBody>
+      </p:sp>
+      <p:sp>
+        <p:nvSpPr>
+          <p:cNvPr id="3" name="TextBox 2"/>
+          <p:cNvSpPr txBox="1"/>
+          <p:nvPr/>
+        </p:nvSpPr>
+        <p:spPr>
+          <a:xfrm>
+            <a:off x="76200" y="2135743"/>
+            <a:ext cx="3200400" cy="646331"/>
+          </a:xfrm>
+          <a:prstGeom prst="rect">
+            <a:avLst/>
+          </a:prstGeom>
+          <a:noFill/>
+        </p:spPr>
+        <p:txBody>
+          <a:bodyPr wrap="square" rtlCol="0">
+            <a:spAutoFit/>
+          </a:bodyPr>
+          <a:lstStyle/>
+          <a:p>
+            <a:r>
+              <a:rPr lang="en-US" dirty="0" smtClean="0"/>
+              <a:t>Example of data entry utilizing a REDCap survey.</a:t>
+            </a:r>
+            <a:endParaRPr lang="en-US" dirty="0"/>
+          </a:p>
+        </p:txBody>
+      </p:sp>
+      <p:pic>
+        <p:nvPicPr>
+          <p:cNvPr id="4" name="Picture 3"/>
+          <p:cNvPicPr>
+            <a:picLocks noChangeAspect="1"/>
+          </p:cNvPicPr>
+          <p:nvPr/>
+        </p:nvPicPr>
+        <p:blipFill>
+          <a:blip r:embed="rId2">
+            <a:extLst>
+              <a:ext uri="{28A0092B-C50C-407E-A947-70E740481C1C}">
+                <a14:useLocalDpi xmlns:a14="http://schemas.microsoft.com/office/drawing/2010/main" val="0"/>
+              </a:ext>
+            </a:extLst>
+          </a:blip>
+          <a:stretch>
+            <a:fillRect/>
+          </a:stretch>
+        </p:blipFill>
+        <p:spPr>
+          <a:xfrm>
+            <a:off x="3429001" y="0"/>
+            <a:ext cx="5715000" cy="6858000"/>
+          </a:xfrm>
+          <a:prstGeom prst="rect">
+            <a:avLst/>
+          </a:prstGeom>
+        </p:spPr>
+      </p:pic>
+    </p:spTree>
+    <p:extLst>
+      <p:ext uri="{BB962C8B-B14F-4D97-AF65-F5344CB8AC3E}">
+        <p14:creationId xmlns:p14="http://schemas.microsoft.com/office/powerpoint/2010/main" val="313993779"/>
+      </p:ext>
+    </p:extLst>
+  </p:cSld>
+  <p:clrMapOvr>
+    <a:masterClrMapping/>
+  </p:clrMapOvr>
+  <p:timing>
+    <p:tnLst>
+      <p:par>
+        <p:cTn id="1" dur="indefinite" restart="never" nodeType="tmRoot"/>
+      </p:par>
+    </p:tnLst>
+  </p:timing>
+</p:sld>
+</file>
+
+<file path=ppt/slides/slide11.xml><?xml version="1.0" encoding="utf-8"?>
+<p:sld xmlns:a="http://schemas.openxmlformats.org/drawingml/2006/main" xmlns:r="http://schemas.openxmlformats.org/officeDocument/2006/relationships" xmlns:p="http://schemas.openxmlformats.org/presentationml/2006/main">
+  <p:cSld>
+    <p:spTree>
+      <p:nvGrpSpPr>
+        <p:cNvPr id="1" name=""/>
+        <p:cNvGrpSpPr/>
+        <p:nvPr/>
+      </p:nvGrpSpPr>
+      <p:grpSpPr>
+        <a:xfrm>
+          <a:off x="0" y="0"/>
+          <a:ext cx="0" cy="0"/>
+          <a:chOff x="0" y="0"/>
+          <a:chExt cx="0" cy="0"/>
+        </a:xfrm>
+      </p:grpSpPr>
+      <p:sp>
+        <p:nvSpPr>
+          <p:cNvPr id="2" name="Title 1"/>
+          <p:cNvSpPr>
+            <a:spLocks noGrp="1"/>
+          </p:cNvSpPr>
+          <p:nvPr>
+            <p:ph type="title"/>
+          </p:nvPr>
+        </p:nvSpPr>
+        <p:spPr>
+          <a:xfrm>
+            <a:off x="76200" y="76200"/>
+            <a:ext cx="8991600" cy="609600"/>
+          </a:xfrm>
+          <a:solidFill>
+            <a:srgbClr val="9E0142"/>
+          </a:solidFill>
+        </p:spPr>
+        <p:txBody>
+          <a:bodyPr>
+            <a:normAutofit fontScale="90000"/>
+          </a:bodyPr>
+          <a:lstStyle/>
+          <a:p>
+            <a:r>
+              <a:rPr lang="en-US" dirty="0" smtClean="0"/>
+              <a:t>Data </a:t>
+            </a:r>
+            <a:r>
+              <a:rPr lang="en-US" dirty="0" smtClean="0"/>
+              <a:t>Entry Demonstration</a:t>
+            </a:r>
+            <a:endParaRPr lang="en-US" dirty="0"/>
+          </a:p>
+        </p:txBody>
+      </p:sp>
+      <p:sp>
+        <p:nvSpPr>
+          <p:cNvPr id="3" name="TextBox 2"/>
+          <p:cNvSpPr txBox="1"/>
+          <p:nvPr/>
+        </p:nvSpPr>
+        <p:spPr>
+          <a:xfrm>
+            <a:off x="0" y="1010245"/>
+            <a:ext cx="9144000" cy="2246769"/>
+          </a:xfrm>
+          <a:prstGeom prst="rect">
+            <a:avLst/>
+          </a:prstGeom>
+          <a:noFill/>
+        </p:spPr>
+        <p:txBody>
+          <a:bodyPr wrap="square" rtlCol="0">
+            <a:spAutoFit/>
+          </a:bodyPr>
+          <a:lstStyle/>
+          <a:p>
+            <a:endParaRPr lang="en-US" sz="3600" dirty="0" smtClean="0">
+              <a:hlinkClick r:id="rId2"/>
+            </a:endParaRPr>
+          </a:p>
+          <a:p>
+            <a:r>
+              <a:rPr lang="en-US" sz="3600" dirty="0" smtClean="0">
+                <a:hlinkClick r:id="rId2"/>
+              </a:rPr>
+              <a:t>https://miechvprojects.ouhsc.edu</a:t>
+            </a:r>
+            <a:r>
+              <a:rPr lang="en-US" sz="3600" dirty="0">
+                <a:hlinkClick r:id="rId2"/>
+              </a:rPr>
+              <a:t>/</a:t>
+            </a:r>
+            <a:endParaRPr lang="en-US" sz="3600" dirty="0"/>
+          </a:p>
+          <a:p>
+            <a:pPr marL="514350" indent="-514350">
+              <a:buFont typeface="+mj-lt"/>
+              <a:buAutoNum type="arabicPeriod"/>
+            </a:pPr>
+            <a:endParaRPr lang="en-US" sz="3600" dirty="0" smtClean="0"/>
+          </a:p>
+          <a:p>
+            <a:endParaRPr lang="en-US" sz="3200" dirty="0"/>
+          </a:p>
+        </p:txBody>
+      </p:sp>
+    </p:spTree>
+    <p:extLst>
+      <p:ext uri="{BB962C8B-B14F-4D97-AF65-F5344CB8AC3E}">
+        <p14:creationId xmlns:p14="http://schemas.microsoft.com/office/powerpoint/2010/main" val="587853936"/>
+      </p:ext>
+    </p:extLst>
+  </p:cSld>
+  <p:clrMapOvr>
+    <a:masterClrMapping/>
+  </p:clrMapOvr>
+  <p:timing>
+    <p:tnLst>
+      <p:par>
+        <p:cTn id="1" dur="indefinite" restart="never" nodeType="tmRoot"/>
+      </p:par>
+    </p:tnLst>
+  </p:timing>
+</p:sld>
+</file>
+
+<file path=ppt/slides/slide12.xml><?xml version="1.0" encoding="utf-8"?>
+<p:sld xmlns:a="http://schemas.openxmlformats.org/drawingml/2006/main" xmlns:r="http://schemas.openxmlformats.org/officeDocument/2006/relationships" xmlns:p="http://schemas.openxmlformats.org/presentationml/2006/main">
+  <p:cSld>
+    <p:spTree>
+      <p:nvGrpSpPr>
+        <p:cNvPr id="1" name=""/>
+        <p:cNvGrpSpPr/>
+        <p:nvPr/>
+      </p:nvGrpSpPr>
+      <p:grpSpPr>
+        <a:xfrm>
+          <a:off x="0" y="0"/>
+          <a:ext cx="0" cy="0"/>
+          <a:chOff x="0" y="0"/>
+          <a:chExt cx="0" cy="0"/>
+        </a:xfrm>
+      </p:grpSpPr>
+      <p:sp>
+        <p:nvSpPr>
+          <p:cNvPr id="2" name="Title 1"/>
+          <p:cNvSpPr>
+            <a:spLocks noGrp="1"/>
+          </p:cNvSpPr>
+          <p:nvPr>
+            <p:ph type="title"/>
+          </p:nvPr>
+        </p:nvSpPr>
+        <p:spPr>
+          <a:xfrm>
+            <a:off x="76200" y="76200"/>
+            <a:ext cx="8991600" cy="609600"/>
+          </a:xfrm>
+          <a:solidFill>
+            <a:srgbClr val="9E0142"/>
+          </a:solidFill>
+        </p:spPr>
+        <p:txBody>
+          <a:bodyPr>
+            <a:normAutofit fontScale="90000"/>
+          </a:bodyPr>
+          <a:lstStyle/>
+          <a:p>
+            <a:r>
+              <a:rPr lang="en-US" dirty="0" smtClean="0"/>
+              <a:t>Possible REDCap Workflows</a:t>
+            </a:r>
+            <a:endParaRPr lang="en-US" dirty="0"/>
+          </a:p>
+        </p:txBody>
+      </p:sp>
+      <p:pic>
+        <p:nvPicPr>
+          <p:cNvPr id="4100" name="Picture 4"/>
+          <p:cNvPicPr>
+            <a:picLocks noChangeAspect="1" noChangeArrowheads="1"/>
+          </p:cNvPicPr>
+          <p:nvPr/>
+        </p:nvPicPr>
+        <p:blipFill>
+          <a:blip r:embed="rId2">
+            <a:extLst>
+              <a:ext uri="{28A0092B-C50C-407E-A947-70E740481C1C}">
+                <a14:useLocalDpi xmlns:a14="http://schemas.microsoft.com/office/drawing/2010/main" val="0"/>
+              </a:ext>
+            </a:extLst>
+          </a:blip>
+          <a:srcRect/>
+          <a:stretch>
+            <a:fillRect/>
+          </a:stretch>
+        </p:blipFill>
+        <p:spPr bwMode="auto">
+          <a:xfrm>
+            <a:off x="-1" y="826884"/>
+            <a:ext cx="9144001" cy="5802516"/>
+          </a:xfrm>
+          <a:prstGeom prst="rect">
+            <a:avLst/>
+          </a:prstGeom>
+          <a:noFill/>
+          <a:ln>
+            <a:noFill/>
+          </a:ln>
+          <a:effectLst/>
+          <a:extLst>
+            <a:ext uri="{909E8E84-426E-40DD-AFC4-6F175D3DCCD1}">
+              <a14:hiddenFill xmlns:a14="http://schemas.microsoft.com/office/drawing/2010/main">
+                <a:solidFill>
+                  <a:schemeClr val="accent1"/>
+                </a:solidFill>
+              </a14:hiddenFill>
+            </a:ext>
+            <a:ext uri="{91240B29-F687-4F45-9708-019B960494DF}">
+              <a14:hiddenLine xmlns:a14="http://schemas.microsoft.com/office/drawing/2010/main" w="9525">
+                <a:solidFill>
+                  <a:schemeClr val="tx1"/>
+                </a:solidFill>
+                <a:miter lim="800000"/>
+                <a:headEnd/>
+                <a:tailEnd/>
+              </a14:hiddenLine>
+            </a:ext>
+            <a:ext uri="{AF507438-7753-43E0-B8FC-AC1667EBCBE1}">
+              <a14:hiddenEffects xmlns:a14="http://schemas.microsoft.com/office/drawing/2010/main">
+                <a:effectLst>
+                  <a:outerShdw dist="35921" dir="2700000" algn="ctr" rotWithShape="0">
+                    <a:schemeClr val="bg2"/>
+                  </a:outerShdw>
+                </a:effectLst>
+              </a14:hiddenEffects>
+            </a:ext>
+          </a:extLst>
+        </p:spPr>
+      </p:pic>
+    </p:spTree>
+    <p:extLst>
+      <p:ext uri="{BB962C8B-B14F-4D97-AF65-F5344CB8AC3E}">
+        <p14:creationId xmlns:p14="http://schemas.microsoft.com/office/powerpoint/2010/main" val="3442304035"/>
+      </p:ext>
+    </p:extLst>
+  </p:cSld>
+  <p:clrMapOvr>
+    <a:masterClrMapping/>
+  </p:clrMapOvr>
+  <p:timing>
+    <p:tnLst>
+      <p:par>
+        <p:cTn id="1" dur="indefinite" restart="never" nodeType="tmRoot"/>
+      </p:par>
+    </p:tnLst>
+  </p:timing>
+</p:sld>
+</file>
+
+<file path=ppt/slides/slide13.xml><?xml version="1.0" encoding="utf-8"?>
+<p:sld xmlns:a="http://schemas.openxmlformats.org/drawingml/2006/main" xmlns:r="http://schemas.openxmlformats.org/officeDocument/2006/relationships" xmlns:p="http://schemas.openxmlformats.org/presentationml/2006/main">
+  <p:cSld>
+    <p:spTree>
+      <p:nvGrpSpPr>
+        <p:cNvPr id="1" name=""/>
+        <p:cNvGrpSpPr/>
+        <p:nvPr/>
+      </p:nvGrpSpPr>
+      <p:grpSpPr>
+        <a:xfrm>
+          <a:off x="0" y="0"/>
+          <a:ext cx="0" cy="0"/>
+          <a:chOff x="0" y="0"/>
+          <a:chExt cx="0" cy="0"/>
+        </a:xfrm>
+      </p:grpSpPr>
+      <p:sp>
+        <p:nvSpPr>
+          <p:cNvPr id="2" name="Title 1"/>
+          <p:cNvSpPr>
+            <a:spLocks noGrp="1"/>
+          </p:cNvSpPr>
+          <p:nvPr>
+            <p:ph type="title"/>
+          </p:nvPr>
+        </p:nvSpPr>
+        <p:spPr>
+          <a:xfrm>
+            <a:off x="76200" y="76200"/>
             <a:ext cx="8991600" cy="609600"/>
           </a:xfrm>
           <a:solidFill>
@@ -3483,7 +3873,7 @@
 </p:sld>
 </file>
 
-<file path=ppt/slides/slide11.xml><?xml version="1.0" encoding="utf-8"?>
+<file path=ppt/slides/slide14.xml><?xml version="1.0" encoding="utf-8"?>
 <p:sld xmlns:a="http://schemas.openxmlformats.org/drawingml/2006/main" xmlns:r="http://schemas.openxmlformats.org/officeDocument/2006/relationships" xmlns:p="http://schemas.openxmlformats.org/presentationml/2006/main">
   <p:cSld>
     <p:spTree>
@@ -3617,7 +4007,7 @@
 </p:sld>
 </file>
 
-<file path=ppt/slides/slide12.xml><?xml version="1.0" encoding="utf-8"?>
+<file path=ppt/slides/slide15.xml><?xml version="1.0" encoding="utf-8"?>
 <p:sld xmlns:a="http://schemas.openxmlformats.org/drawingml/2006/main" xmlns:r="http://schemas.openxmlformats.org/officeDocument/2006/relationships" xmlns:p="http://schemas.openxmlformats.org/presentationml/2006/main">
   <p:cSld>
     <p:spTree>
@@ -3782,7 +4172,7 @@
 </p:sld>
 </file>
 
-<file path=ppt/slides/slide13.xml><?xml version="1.0" encoding="utf-8"?>
+<file path=ppt/slides/slide16.xml><?xml version="1.0" encoding="utf-8"?>
 <p:sld xmlns:a="http://schemas.openxmlformats.org/drawingml/2006/main" xmlns:r="http://schemas.openxmlformats.org/officeDocument/2006/relationships" xmlns:p="http://schemas.openxmlformats.org/presentationml/2006/main">
   <p:cSld>
     <p:spTree>
@@ -3923,7 +4313,7 @@
 </p:sld>
 </file>
 
-<file path=ppt/slides/slide14.xml><?xml version="1.0" encoding="utf-8"?>
+<file path=ppt/slides/slide17.xml><?xml version="1.0" encoding="utf-8"?>
 <p:sld xmlns:a="http://schemas.openxmlformats.org/drawingml/2006/main" xmlns:r="http://schemas.openxmlformats.org/officeDocument/2006/relationships" xmlns:p="http://schemas.openxmlformats.org/presentationml/2006/main">
   <p:cSld>
     <p:spTree>
@@ -4089,7 +4479,7 @@
 </p:sld>
 </file>
 
-<file path=ppt/slides/slide15.xml><?xml version="1.0" encoding="utf-8"?>
+<file path=ppt/slides/slide18.xml><?xml version="1.0" encoding="utf-8"?>
 <p:sld xmlns:a="http://schemas.openxmlformats.org/drawingml/2006/main" xmlns:r="http://schemas.openxmlformats.org/officeDocument/2006/relationships" xmlns:p="http://schemas.openxmlformats.org/presentationml/2006/main">
   <p:cSld>
     <p:spTree>
@@ -4299,7 +4689,7 @@
 </p:sld>
 </file>
 
-<file path=ppt/slides/slide16.xml><?xml version="1.0" encoding="utf-8"?>
+<file path=ppt/slides/slide19.xml><?xml version="1.0" encoding="utf-8"?>
 <p:sld xmlns:a="http://schemas.openxmlformats.org/drawingml/2006/main" xmlns:r="http://schemas.openxmlformats.org/officeDocument/2006/relationships" xmlns:p="http://schemas.openxmlformats.org/presentationml/2006/main">
   <p:cSld>
     <p:spTree>
@@ -4441,480 +4831,6 @@
     <p:extLst>
       <p:ext uri="{BB962C8B-B14F-4D97-AF65-F5344CB8AC3E}">
         <p14:creationId xmlns:p14="http://schemas.microsoft.com/office/powerpoint/2010/main" val="910570333"/>
-      </p:ext>
-    </p:extLst>
-  </p:cSld>
-  <p:clrMapOvr>
-    <a:masterClrMapping/>
-  </p:clrMapOvr>
-  <p:timing>
-    <p:tnLst>
-      <p:par>
-        <p:cTn id="1" dur="indefinite" restart="never" nodeType="tmRoot"/>
-      </p:par>
-    </p:tnLst>
-  </p:timing>
-</p:sld>
-</file>
-
-<file path=ppt/slides/slide17.xml><?xml version="1.0" encoding="utf-8"?>
-<p:sld xmlns:a="http://schemas.openxmlformats.org/drawingml/2006/main" xmlns:r="http://schemas.openxmlformats.org/officeDocument/2006/relationships" xmlns:p="http://schemas.openxmlformats.org/presentationml/2006/main">
-  <p:cSld>
-    <p:spTree>
-      <p:nvGrpSpPr>
-        <p:cNvPr id="1" name=""/>
-        <p:cNvGrpSpPr/>
-        <p:nvPr/>
-      </p:nvGrpSpPr>
-      <p:grpSpPr>
-        <a:xfrm>
-          <a:off x="0" y="0"/>
-          <a:ext cx="0" cy="0"/>
-          <a:chOff x="0" y="0"/>
-          <a:chExt cx="0" cy="0"/>
-        </a:xfrm>
-      </p:grpSpPr>
-      <p:sp>
-        <p:nvSpPr>
-          <p:cNvPr id="2" name="Title 1"/>
-          <p:cNvSpPr>
-            <a:spLocks noGrp="1"/>
-          </p:cNvSpPr>
-          <p:nvPr>
-            <p:ph type="title"/>
-          </p:nvPr>
-        </p:nvSpPr>
-        <p:spPr>
-          <a:xfrm>
-            <a:off x="76200" y="76200"/>
-            <a:ext cx="8991600" cy="762000"/>
-          </a:xfrm>
-          <a:solidFill>
-            <a:srgbClr val="FDAE61"/>
-          </a:solidFill>
-        </p:spPr>
-        <p:txBody>
-          <a:bodyPr>
-            <a:normAutofit fontScale="90000"/>
-          </a:bodyPr>
-          <a:lstStyle/>
-          <a:p>
-            <a:pPr marL="0" indent="0"/>
-            <a:r>
-              <a:rPr lang="en-US" sz="4900" dirty="0" smtClean="0"/>
-              <a:t>Example Report (6 Month History)</a:t>
-            </a:r>
-            <a:endParaRPr lang="en-US" dirty="0"/>
-          </a:p>
-        </p:txBody>
-      </p:sp>
-      <p:sp>
-        <p:nvSpPr>
-          <p:cNvPr id="3" name="Content Placeholder 2"/>
-          <p:cNvSpPr>
-            <a:spLocks noGrp="1"/>
-          </p:cNvSpPr>
-          <p:nvPr>
-            <p:ph idx="1"/>
-          </p:nvPr>
-        </p:nvSpPr>
-        <p:spPr>
-          <a:xfrm>
-            <a:off x="0" y="838200"/>
-            <a:ext cx="9144000" cy="6019800"/>
-          </a:xfrm>
-        </p:spPr>
-        <p:txBody>
-          <a:bodyPr>
-            <a:normAutofit/>
-          </a:bodyPr>
-          <a:lstStyle/>
-          <a:p>
-            <a:pPr marL="0" indent="0">
-              <a:buNone/>
-            </a:pPr>
-            <a:endParaRPr lang="en-US" dirty="0" smtClean="0"/>
-          </a:p>
-          <a:p>
-            <a:pPr marL="0" indent="0">
-              <a:buNone/>
-            </a:pPr>
-            <a:endParaRPr lang="en-US" dirty="0"/>
-          </a:p>
-          <a:p>
-            <a:pPr marL="0" indent="0">
-              <a:buNone/>
-            </a:pPr>
-            <a:r>
-              <a:rPr lang="en-US" dirty="0"/>
-              <a:t>	</a:t>
-            </a:r>
-            <a:endParaRPr lang="en-US" dirty="0" smtClean="0"/>
-          </a:p>
-          <a:p>
-            <a:pPr marL="0" indent="0">
-              <a:buNone/>
-            </a:pPr>
-            <a:endParaRPr lang="en-US" dirty="0"/>
-          </a:p>
-          <a:p>
-            <a:pPr marL="0" indent="0">
-              <a:buNone/>
-            </a:pPr>
-            <a:endParaRPr lang="en-US" dirty="0" smtClean="0"/>
-          </a:p>
-        </p:txBody>
-      </p:sp>
-      <p:pic>
-        <p:nvPicPr>
-          <p:cNvPr id="4" name="Picture 3"/>
-          <p:cNvPicPr>
-            <a:picLocks noChangeAspect="1"/>
-          </p:cNvPicPr>
-          <p:nvPr/>
-        </p:nvPicPr>
-        <p:blipFill>
-          <a:blip r:embed="rId2">
-            <a:extLst>
-              <a:ext uri="{28A0092B-C50C-407E-A947-70E740481C1C}">
-                <a14:useLocalDpi xmlns:a14="http://schemas.microsoft.com/office/drawing/2010/main" val="0"/>
-              </a:ext>
-            </a:extLst>
-          </a:blip>
-          <a:stretch>
-            <a:fillRect/>
-          </a:stretch>
-        </p:blipFill>
-        <p:spPr>
-          <a:xfrm>
-            <a:off x="1370870" y="1143000"/>
-            <a:ext cx="6402259" cy="5487129"/>
-          </a:xfrm>
-          <a:prstGeom prst="rect">
-            <a:avLst/>
-          </a:prstGeom>
-        </p:spPr>
-      </p:pic>
-    </p:spTree>
-    <p:extLst>
-      <p:ext uri="{BB962C8B-B14F-4D97-AF65-F5344CB8AC3E}">
-        <p14:creationId xmlns:p14="http://schemas.microsoft.com/office/powerpoint/2010/main" val="2360647621"/>
-      </p:ext>
-    </p:extLst>
-  </p:cSld>
-  <p:clrMapOvr>
-    <a:masterClrMapping/>
-  </p:clrMapOvr>
-  <p:timing>
-    <p:tnLst>
-      <p:par>
-        <p:cTn id="1" dur="indefinite" restart="never" nodeType="tmRoot"/>
-      </p:par>
-    </p:tnLst>
-  </p:timing>
-</p:sld>
-</file>
-
-<file path=ppt/slides/slide18.xml><?xml version="1.0" encoding="utf-8"?>
-<p:sld xmlns:a="http://schemas.openxmlformats.org/drawingml/2006/main" xmlns:r="http://schemas.openxmlformats.org/officeDocument/2006/relationships" xmlns:p="http://schemas.openxmlformats.org/presentationml/2006/main">
-  <p:cSld>
-    <p:spTree>
-      <p:nvGrpSpPr>
-        <p:cNvPr id="1" name=""/>
-        <p:cNvGrpSpPr/>
-        <p:nvPr/>
-      </p:nvGrpSpPr>
-      <p:grpSpPr>
-        <a:xfrm>
-          <a:off x="0" y="0"/>
-          <a:ext cx="0" cy="0"/>
-          <a:chOff x="0" y="0"/>
-          <a:chExt cx="0" cy="0"/>
-        </a:xfrm>
-      </p:grpSpPr>
-      <p:sp>
-        <p:nvSpPr>
-          <p:cNvPr id="2" name="Title 1"/>
-          <p:cNvSpPr>
-            <a:spLocks noGrp="1"/>
-          </p:cNvSpPr>
-          <p:nvPr>
-            <p:ph type="title"/>
-          </p:nvPr>
-        </p:nvSpPr>
-        <p:spPr>
-          <a:xfrm>
-            <a:off x="76200" y="76200"/>
-            <a:ext cx="8991600" cy="762000"/>
-          </a:xfrm>
-          <a:solidFill>
-            <a:srgbClr val="FDAE61"/>
-          </a:solidFill>
-        </p:spPr>
-        <p:txBody>
-          <a:bodyPr>
-            <a:normAutofit fontScale="90000"/>
-          </a:bodyPr>
-          <a:lstStyle/>
-          <a:p>
-            <a:pPr marL="0" indent="0"/>
-            <a:r>
-              <a:rPr lang="en-US" sz="4900" dirty="0" smtClean="0"/>
-              <a:t>Example Report (7 Day History)</a:t>
-            </a:r>
-            <a:endParaRPr lang="en-US" dirty="0"/>
-          </a:p>
-        </p:txBody>
-      </p:sp>
-      <p:sp>
-        <p:nvSpPr>
-          <p:cNvPr id="3" name="Content Placeholder 2"/>
-          <p:cNvSpPr>
-            <a:spLocks noGrp="1"/>
-          </p:cNvSpPr>
-          <p:nvPr>
-            <p:ph idx="1"/>
-          </p:nvPr>
-        </p:nvSpPr>
-        <p:spPr>
-          <a:xfrm>
-            <a:off x="0" y="838200"/>
-            <a:ext cx="9144000" cy="6019800"/>
-          </a:xfrm>
-        </p:spPr>
-        <p:txBody>
-          <a:bodyPr>
-            <a:normAutofit/>
-          </a:bodyPr>
-          <a:lstStyle/>
-          <a:p>
-            <a:pPr marL="0" indent="0">
-              <a:buNone/>
-            </a:pPr>
-            <a:endParaRPr lang="en-US" dirty="0" smtClean="0"/>
-          </a:p>
-          <a:p>
-            <a:pPr marL="0" indent="0">
-              <a:buNone/>
-            </a:pPr>
-            <a:endParaRPr lang="en-US" dirty="0"/>
-          </a:p>
-          <a:p>
-            <a:pPr marL="0" indent="0">
-              <a:buNone/>
-            </a:pPr>
-            <a:r>
-              <a:rPr lang="en-US" dirty="0"/>
-              <a:t>	</a:t>
-            </a:r>
-            <a:endParaRPr lang="en-US" dirty="0" smtClean="0"/>
-          </a:p>
-          <a:p>
-            <a:pPr marL="0" indent="0">
-              <a:buNone/>
-            </a:pPr>
-            <a:endParaRPr lang="en-US" dirty="0"/>
-          </a:p>
-          <a:p>
-            <a:pPr marL="0" indent="0">
-              <a:buNone/>
-            </a:pPr>
-            <a:endParaRPr lang="en-US" dirty="0" smtClean="0"/>
-          </a:p>
-        </p:txBody>
-      </p:sp>
-      <p:pic>
-        <p:nvPicPr>
-          <p:cNvPr id="5" name="Picture 4"/>
-          <p:cNvPicPr>
-            <a:picLocks noChangeAspect="1"/>
-          </p:cNvPicPr>
-          <p:nvPr/>
-        </p:nvPicPr>
-        <p:blipFill>
-          <a:blip r:embed="rId2">
-            <a:extLst>
-              <a:ext uri="{28A0092B-C50C-407E-A947-70E740481C1C}">
-                <a14:useLocalDpi xmlns:a14="http://schemas.microsoft.com/office/drawing/2010/main" val="0"/>
-              </a:ext>
-            </a:extLst>
-          </a:blip>
-          <a:stretch>
-            <a:fillRect/>
-          </a:stretch>
-        </p:blipFill>
-        <p:spPr>
-          <a:xfrm>
-            <a:off x="1370870" y="1219200"/>
-            <a:ext cx="6402259" cy="5410929"/>
-          </a:xfrm>
-          <a:prstGeom prst="rect">
-            <a:avLst/>
-          </a:prstGeom>
-        </p:spPr>
-      </p:pic>
-    </p:spTree>
-    <p:extLst>
-      <p:ext uri="{BB962C8B-B14F-4D97-AF65-F5344CB8AC3E}">
-        <p14:creationId xmlns:p14="http://schemas.microsoft.com/office/powerpoint/2010/main" val="873645157"/>
-      </p:ext>
-    </p:extLst>
-  </p:cSld>
-  <p:clrMapOvr>
-    <a:masterClrMapping/>
-  </p:clrMapOvr>
-  <p:timing>
-    <p:tnLst>
-      <p:par>
-        <p:cTn id="1" dur="indefinite" restart="never" nodeType="tmRoot"/>
-      </p:par>
-    </p:tnLst>
-  </p:timing>
-</p:sld>
-</file>
-
-<file path=ppt/slides/slide19.xml><?xml version="1.0" encoding="utf-8"?>
-<p:sld xmlns:a="http://schemas.openxmlformats.org/drawingml/2006/main" xmlns:r="http://schemas.openxmlformats.org/officeDocument/2006/relationships" xmlns:p="http://schemas.openxmlformats.org/presentationml/2006/main">
-  <p:cSld>
-    <p:spTree>
-      <p:nvGrpSpPr>
-        <p:cNvPr id="1" name=""/>
-        <p:cNvGrpSpPr/>
-        <p:nvPr/>
-      </p:nvGrpSpPr>
-      <p:grpSpPr>
-        <a:xfrm>
-          <a:off x="0" y="0"/>
-          <a:ext cx="0" cy="0"/>
-          <a:chOff x="0" y="0"/>
-          <a:chExt cx="0" cy="0"/>
-        </a:xfrm>
-      </p:grpSpPr>
-      <p:sp>
-        <p:nvSpPr>
-          <p:cNvPr id="2" name="Title 1"/>
-          <p:cNvSpPr>
-            <a:spLocks noGrp="1"/>
-          </p:cNvSpPr>
-          <p:nvPr>
-            <p:ph type="title"/>
-          </p:nvPr>
-        </p:nvSpPr>
-        <p:spPr>
-          <a:xfrm>
-            <a:off x="76200" y="76200"/>
-            <a:ext cx="8991600" cy="762000"/>
-          </a:xfrm>
-          <a:solidFill>
-            <a:srgbClr val="FDAE61"/>
-          </a:solidFill>
-        </p:spPr>
-        <p:txBody>
-          <a:bodyPr>
-            <a:normAutofit fontScale="90000"/>
-          </a:bodyPr>
-          <a:lstStyle/>
-          <a:p>
-            <a:pPr marL="0" indent="0"/>
-            <a:r>
-              <a:rPr lang="en-US" sz="4900" dirty="0" smtClean="0"/>
-              <a:t>Example Report (Project Aggregate)</a:t>
-            </a:r>
-            <a:endParaRPr lang="en-US" dirty="0"/>
-          </a:p>
-        </p:txBody>
-      </p:sp>
-      <p:sp>
-        <p:nvSpPr>
-          <p:cNvPr id="3" name="Content Placeholder 2"/>
-          <p:cNvSpPr>
-            <a:spLocks noGrp="1"/>
-          </p:cNvSpPr>
-          <p:nvPr>
-            <p:ph idx="1"/>
-          </p:nvPr>
-        </p:nvSpPr>
-        <p:spPr>
-          <a:xfrm>
-            <a:off x="0" y="838200"/>
-            <a:ext cx="9144000" cy="6019800"/>
-          </a:xfrm>
-        </p:spPr>
-        <p:txBody>
-          <a:bodyPr>
-            <a:normAutofit/>
-          </a:bodyPr>
-          <a:lstStyle/>
-          <a:p>
-            <a:pPr marL="0" indent="0">
-              <a:buNone/>
-            </a:pPr>
-            <a:endParaRPr lang="en-US" dirty="0" smtClean="0"/>
-          </a:p>
-          <a:p>
-            <a:pPr marL="0" indent="0">
-              <a:buNone/>
-            </a:pPr>
-            <a:endParaRPr lang="en-US" dirty="0"/>
-          </a:p>
-          <a:p>
-            <a:pPr marL="0" indent="0">
-              <a:buNone/>
-            </a:pPr>
-            <a:r>
-              <a:rPr lang="en-US" dirty="0"/>
-              <a:t>	</a:t>
-            </a:r>
-            <a:endParaRPr lang="en-US" dirty="0" smtClean="0"/>
-          </a:p>
-          <a:p>
-            <a:pPr marL="0" indent="0">
-              <a:buNone/>
-            </a:pPr>
-            <a:endParaRPr lang="en-US" dirty="0"/>
-          </a:p>
-          <a:p>
-            <a:pPr marL="0" indent="0">
-              <a:buNone/>
-            </a:pPr>
-            <a:endParaRPr lang="en-US" dirty="0" smtClean="0"/>
-          </a:p>
-        </p:txBody>
-      </p:sp>
-      <p:pic>
-        <p:nvPicPr>
-          <p:cNvPr id="4" name="Picture 3"/>
-          <p:cNvPicPr>
-            <a:picLocks noChangeAspect="1"/>
-          </p:cNvPicPr>
-          <p:nvPr/>
-        </p:nvPicPr>
-        <p:blipFill>
-          <a:blip r:embed="rId2">
-            <a:extLst>
-              <a:ext uri="{28A0092B-C50C-407E-A947-70E740481C1C}">
-                <a14:useLocalDpi xmlns:a14="http://schemas.microsoft.com/office/drawing/2010/main" val="0"/>
-              </a:ext>
-            </a:extLst>
-          </a:blip>
-          <a:stretch>
-            <a:fillRect/>
-          </a:stretch>
-        </p:blipFill>
-        <p:spPr>
-          <a:xfrm>
-            <a:off x="1370870" y="1295400"/>
-            <a:ext cx="6402259" cy="5334729"/>
-          </a:xfrm>
-          <a:prstGeom prst="rect">
-            <a:avLst/>
-          </a:prstGeom>
-        </p:spPr>
-      </p:pic>
-    </p:spTree>
-    <p:extLst>
-      <p:ext uri="{BB962C8B-B14F-4D97-AF65-F5344CB8AC3E}">
-        <p14:creationId xmlns:p14="http://schemas.microsoft.com/office/powerpoint/2010/main" val="831111178"/>
       </p:ext>
     </p:extLst>
   </p:cSld>
@@ -5358,6 +5274,480 @@
             <a:pPr marL="0" indent="0"/>
             <a:r>
               <a:rPr lang="en-US" sz="4900" dirty="0" smtClean="0"/>
+              <a:t>Example Report (6 Month History)</a:t>
+            </a:r>
+            <a:endParaRPr lang="en-US" dirty="0"/>
+          </a:p>
+        </p:txBody>
+      </p:sp>
+      <p:sp>
+        <p:nvSpPr>
+          <p:cNvPr id="3" name="Content Placeholder 2"/>
+          <p:cNvSpPr>
+            <a:spLocks noGrp="1"/>
+          </p:cNvSpPr>
+          <p:nvPr>
+            <p:ph idx="1"/>
+          </p:nvPr>
+        </p:nvSpPr>
+        <p:spPr>
+          <a:xfrm>
+            <a:off x="0" y="838200"/>
+            <a:ext cx="9144000" cy="6019800"/>
+          </a:xfrm>
+        </p:spPr>
+        <p:txBody>
+          <a:bodyPr>
+            <a:normAutofit/>
+          </a:bodyPr>
+          <a:lstStyle/>
+          <a:p>
+            <a:pPr marL="0" indent="0">
+              <a:buNone/>
+            </a:pPr>
+            <a:endParaRPr lang="en-US" dirty="0" smtClean="0"/>
+          </a:p>
+          <a:p>
+            <a:pPr marL="0" indent="0">
+              <a:buNone/>
+            </a:pPr>
+            <a:endParaRPr lang="en-US" dirty="0"/>
+          </a:p>
+          <a:p>
+            <a:pPr marL="0" indent="0">
+              <a:buNone/>
+            </a:pPr>
+            <a:r>
+              <a:rPr lang="en-US" dirty="0"/>
+              <a:t>	</a:t>
+            </a:r>
+            <a:endParaRPr lang="en-US" dirty="0" smtClean="0"/>
+          </a:p>
+          <a:p>
+            <a:pPr marL="0" indent="0">
+              <a:buNone/>
+            </a:pPr>
+            <a:endParaRPr lang="en-US" dirty="0"/>
+          </a:p>
+          <a:p>
+            <a:pPr marL="0" indent="0">
+              <a:buNone/>
+            </a:pPr>
+            <a:endParaRPr lang="en-US" dirty="0" smtClean="0"/>
+          </a:p>
+        </p:txBody>
+      </p:sp>
+      <p:pic>
+        <p:nvPicPr>
+          <p:cNvPr id="4" name="Picture 3"/>
+          <p:cNvPicPr>
+            <a:picLocks noChangeAspect="1"/>
+          </p:cNvPicPr>
+          <p:nvPr/>
+        </p:nvPicPr>
+        <p:blipFill>
+          <a:blip r:embed="rId2">
+            <a:extLst>
+              <a:ext uri="{28A0092B-C50C-407E-A947-70E740481C1C}">
+                <a14:useLocalDpi xmlns:a14="http://schemas.microsoft.com/office/drawing/2010/main" val="0"/>
+              </a:ext>
+            </a:extLst>
+          </a:blip>
+          <a:stretch>
+            <a:fillRect/>
+          </a:stretch>
+        </p:blipFill>
+        <p:spPr>
+          <a:xfrm>
+            <a:off x="1370870" y="1143000"/>
+            <a:ext cx="6402259" cy="5487129"/>
+          </a:xfrm>
+          <a:prstGeom prst="rect">
+            <a:avLst/>
+          </a:prstGeom>
+        </p:spPr>
+      </p:pic>
+    </p:spTree>
+    <p:extLst>
+      <p:ext uri="{BB962C8B-B14F-4D97-AF65-F5344CB8AC3E}">
+        <p14:creationId xmlns:p14="http://schemas.microsoft.com/office/powerpoint/2010/main" val="2360647621"/>
+      </p:ext>
+    </p:extLst>
+  </p:cSld>
+  <p:clrMapOvr>
+    <a:masterClrMapping/>
+  </p:clrMapOvr>
+  <p:timing>
+    <p:tnLst>
+      <p:par>
+        <p:cTn id="1" dur="indefinite" restart="never" nodeType="tmRoot"/>
+      </p:par>
+    </p:tnLst>
+  </p:timing>
+</p:sld>
+</file>
+
+<file path=ppt/slides/slide21.xml><?xml version="1.0" encoding="utf-8"?>
+<p:sld xmlns:a="http://schemas.openxmlformats.org/drawingml/2006/main" xmlns:r="http://schemas.openxmlformats.org/officeDocument/2006/relationships" xmlns:p="http://schemas.openxmlformats.org/presentationml/2006/main">
+  <p:cSld>
+    <p:spTree>
+      <p:nvGrpSpPr>
+        <p:cNvPr id="1" name=""/>
+        <p:cNvGrpSpPr/>
+        <p:nvPr/>
+      </p:nvGrpSpPr>
+      <p:grpSpPr>
+        <a:xfrm>
+          <a:off x="0" y="0"/>
+          <a:ext cx="0" cy="0"/>
+          <a:chOff x="0" y="0"/>
+          <a:chExt cx="0" cy="0"/>
+        </a:xfrm>
+      </p:grpSpPr>
+      <p:sp>
+        <p:nvSpPr>
+          <p:cNvPr id="2" name="Title 1"/>
+          <p:cNvSpPr>
+            <a:spLocks noGrp="1"/>
+          </p:cNvSpPr>
+          <p:nvPr>
+            <p:ph type="title"/>
+          </p:nvPr>
+        </p:nvSpPr>
+        <p:spPr>
+          <a:xfrm>
+            <a:off x="76200" y="76200"/>
+            <a:ext cx="8991600" cy="762000"/>
+          </a:xfrm>
+          <a:solidFill>
+            <a:srgbClr val="FDAE61"/>
+          </a:solidFill>
+        </p:spPr>
+        <p:txBody>
+          <a:bodyPr>
+            <a:normAutofit fontScale="90000"/>
+          </a:bodyPr>
+          <a:lstStyle/>
+          <a:p>
+            <a:pPr marL="0" indent="0"/>
+            <a:r>
+              <a:rPr lang="en-US" sz="4900" dirty="0" smtClean="0"/>
+              <a:t>Example Report (7 Day History)</a:t>
+            </a:r>
+            <a:endParaRPr lang="en-US" dirty="0"/>
+          </a:p>
+        </p:txBody>
+      </p:sp>
+      <p:sp>
+        <p:nvSpPr>
+          <p:cNvPr id="3" name="Content Placeholder 2"/>
+          <p:cNvSpPr>
+            <a:spLocks noGrp="1"/>
+          </p:cNvSpPr>
+          <p:nvPr>
+            <p:ph idx="1"/>
+          </p:nvPr>
+        </p:nvSpPr>
+        <p:spPr>
+          <a:xfrm>
+            <a:off x="0" y="838200"/>
+            <a:ext cx="9144000" cy="6019800"/>
+          </a:xfrm>
+        </p:spPr>
+        <p:txBody>
+          <a:bodyPr>
+            <a:normAutofit/>
+          </a:bodyPr>
+          <a:lstStyle/>
+          <a:p>
+            <a:pPr marL="0" indent="0">
+              <a:buNone/>
+            </a:pPr>
+            <a:endParaRPr lang="en-US" dirty="0" smtClean="0"/>
+          </a:p>
+          <a:p>
+            <a:pPr marL="0" indent="0">
+              <a:buNone/>
+            </a:pPr>
+            <a:endParaRPr lang="en-US" dirty="0"/>
+          </a:p>
+          <a:p>
+            <a:pPr marL="0" indent="0">
+              <a:buNone/>
+            </a:pPr>
+            <a:r>
+              <a:rPr lang="en-US" dirty="0"/>
+              <a:t>	</a:t>
+            </a:r>
+            <a:endParaRPr lang="en-US" dirty="0" smtClean="0"/>
+          </a:p>
+          <a:p>
+            <a:pPr marL="0" indent="0">
+              <a:buNone/>
+            </a:pPr>
+            <a:endParaRPr lang="en-US" dirty="0"/>
+          </a:p>
+          <a:p>
+            <a:pPr marL="0" indent="0">
+              <a:buNone/>
+            </a:pPr>
+            <a:endParaRPr lang="en-US" dirty="0" smtClean="0"/>
+          </a:p>
+        </p:txBody>
+      </p:sp>
+      <p:pic>
+        <p:nvPicPr>
+          <p:cNvPr id="5" name="Picture 4"/>
+          <p:cNvPicPr>
+            <a:picLocks noChangeAspect="1"/>
+          </p:cNvPicPr>
+          <p:nvPr/>
+        </p:nvPicPr>
+        <p:blipFill>
+          <a:blip r:embed="rId2">
+            <a:extLst>
+              <a:ext uri="{28A0092B-C50C-407E-A947-70E740481C1C}">
+                <a14:useLocalDpi xmlns:a14="http://schemas.microsoft.com/office/drawing/2010/main" val="0"/>
+              </a:ext>
+            </a:extLst>
+          </a:blip>
+          <a:stretch>
+            <a:fillRect/>
+          </a:stretch>
+        </p:blipFill>
+        <p:spPr>
+          <a:xfrm>
+            <a:off x="1370870" y="1219200"/>
+            <a:ext cx="6402259" cy="5410929"/>
+          </a:xfrm>
+          <a:prstGeom prst="rect">
+            <a:avLst/>
+          </a:prstGeom>
+        </p:spPr>
+      </p:pic>
+    </p:spTree>
+    <p:extLst>
+      <p:ext uri="{BB962C8B-B14F-4D97-AF65-F5344CB8AC3E}">
+        <p14:creationId xmlns:p14="http://schemas.microsoft.com/office/powerpoint/2010/main" val="873645157"/>
+      </p:ext>
+    </p:extLst>
+  </p:cSld>
+  <p:clrMapOvr>
+    <a:masterClrMapping/>
+  </p:clrMapOvr>
+  <p:timing>
+    <p:tnLst>
+      <p:par>
+        <p:cTn id="1" dur="indefinite" restart="never" nodeType="tmRoot"/>
+      </p:par>
+    </p:tnLst>
+  </p:timing>
+</p:sld>
+</file>
+
+<file path=ppt/slides/slide22.xml><?xml version="1.0" encoding="utf-8"?>
+<p:sld xmlns:a="http://schemas.openxmlformats.org/drawingml/2006/main" xmlns:r="http://schemas.openxmlformats.org/officeDocument/2006/relationships" xmlns:p="http://schemas.openxmlformats.org/presentationml/2006/main">
+  <p:cSld>
+    <p:spTree>
+      <p:nvGrpSpPr>
+        <p:cNvPr id="1" name=""/>
+        <p:cNvGrpSpPr/>
+        <p:nvPr/>
+      </p:nvGrpSpPr>
+      <p:grpSpPr>
+        <a:xfrm>
+          <a:off x="0" y="0"/>
+          <a:ext cx="0" cy="0"/>
+          <a:chOff x="0" y="0"/>
+          <a:chExt cx="0" cy="0"/>
+        </a:xfrm>
+      </p:grpSpPr>
+      <p:sp>
+        <p:nvSpPr>
+          <p:cNvPr id="2" name="Title 1"/>
+          <p:cNvSpPr>
+            <a:spLocks noGrp="1"/>
+          </p:cNvSpPr>
+          <p:nvPr>
+            <p:ph type="title"/>
+          </p:nvPr>
+        </p:nvSpPr>
+        <p:spPr>
+          <a:xfrm>
+            <a:off x="76200" y="76200"/>
+            <a:ext cx="8991600" cy="762000"/>
+          </a:xfrm>
+          <a:solidFill>
+            <a:srgbClr val="FDAE61"/>
+          </a:solidFill>
+        </p:spPr>
+        <p:txBody>
+          <a:bodyPr>
+            <a:normAutofit fontScale="90000"/>
+          </a:bodyPr>
+          <a:lstStyle/>
+          <a:p>
+            <a:pPr marL="0" indent="0"/>
+            <a:r>
+              <a:rPr lang="en-US" sz="4900" dirty="0" smtClean="0"/>
+              <a:t>Example Report (Project Aggregate)</a:t>
+            </a:r>
+            <a:endParaRPr lang="en-US" dirty="0"/>
+          </a:p>
+        </p:txBody>
+      </p:sp>
+      <p:sp>
+        <p:nvSpPr>
+          <p:cNvPr id="3" name="Content Placeholder 2"/>
+          <p:cNvSpPr>
+            <a:spLocks noGrp="1"/>
+          </p:cNvSpPr>
+          <p:nvPr>
+            <p:ph idx="1"/>
+          </p:nvPr>
+        </p:nvSpPr>
+        <p:spPr>
+          <a:xfrm>
+            <a:off x="0" y="838200"/>
+            <a:ext cx="9144000" cy="6019800"/>
+          </a:xfrm>
+        </p:spPr>
+        <p:txBody>
+          <a:bodyPr>
+            <a:normAutofit/>
+          </a:bodyPr>
+          <a:lstStyle/>
+          <a:p>
+            <a:pPr marL="0" indent="0">
+              <a:buNone/>
+            </a:pPr>
+            <a:endParaRPr lang="en-US" dirty="0" smtClean="0"/>
+          </a:p>
+          <a:p>
+            <a:pPr marL="0" indent="0">
+              <a:buNone/>
+            </a:pPr>
+            <a:endParaRPr lang="en-US" dirty="0"/>
+          </a:p>
+          <a:p>
+            <a:pPr marL="0" indent="0">
+              <a:buNone/>
+            </a:pPr>
+            <a:r>
+              <a:rPr lang="en-US" dirty="0"/>
+              <a:t>	</a:t>
+            </a:r>
+            <a:endParaRPr lang="en-US" dirty="0" smtClean="0"/>
+          </a:p>
+          <a:p>
+            <a:pPr marL="0" indent="0">
+              <a:buNone/>
+            </a:pPr>
+            <a:endParaRPr lang="en-US" dirty="0"/>
+          </a:p>
+          <a:p>
+            <a:pPr marL="0" indent="0">
+              <a:buNone/>
+            </a:pPr>
+            <a:endParaRPr lang="en-US" dirty="0" smtClean="0"/>
+          </a:p>
+        </p:txBody>
+      </p:sp>
+      <p:pic>
+        <p:nvPicPr>
+          <p:cNvPr id="4" name="Picture 3"/>
+          <p:cNvPicPr>
+            <a:picLocks noChangeAspect="1"/>
+          </p:cNvPicPr>
+          <p:nvPr/>
+        </p:nvPicPr>
+        <p:blipFill>
+          <a:blip r:embed="rId2">
+            <a:extLst>
+              <a:ext uri="{28A0092B-C50C-407E-A947-70E740481C1C}">
+                <a14:useLocalDpi xmlns:a14="http://schemas.microsoft.com/office/drawing/2010/main" val="0"/>
+              </a:ext>
+            </a:extLst>
+          </a:blip>
+          <a:stretch>
+            <a:fillRect/>
+          </a:stretch>
+        </p:blipFill>
+        <p:spPr>
+          <a:xfrm>
+            <a:off x="1370870" y="1295400"/>
+            <a:ext cx="6402259" cy="5334729"/>
+          </a:xfrm>
+          <a:prstGeom prst="rect">
+            <a:avLst/>
+          </a:prstGeom>
+        </p:spPr>
+      </p:pic>
+    </p:spTree>
+    <p:extLst>
+      <p:ext uri="{BB962C8B-B14F-4D97-AF65-F5344CB8AC3E}">
+        <p14:creationId xmlns:p14="http://schemas.microsoft.com/office/powerpoint/2010/main" val="831111178"/>
+      </p:ext>
+    </p:extLst>
+  </p:cSld>
+  <p:clrMapOvr>
+    <a:masterClrMapping/>
+  </p:clrMapOvr>
+  <p:timing>
+    <p:tnLst>
+      <p:par>
+        <p:cTn id="1" dur="indefinite" restart="never" nodeType="tmRoot"/>
+      </p:par>
+    </p:tnLst>
+  </p:timing>
+</p:sld>
+</file>
+
+<file path=ppt/slides/slide23.xml><?xml version="1.0" encoding="utf-8"?>
+<p:sld xmlns:a="http://schemas.openxmlformats.org/drawingml/2006/main" xmlns:r="http://schemas.openxmlformats.org/officeDocument/2006/relationships" xmlns:p="http://schemas.openxmlformats.org/presentationml/2006/main">
+  <p:cSld>
+    <p:spTree>
+      <p:nvGrpSpPr>
+        <p:cNvPr id="1" name=""/>
+        <p:cNvGrpSpPr/>
+        <p:nvPr/>
+      </p:nvGrpSpPr>
+      <p:grpSpPr>
+        <a:xfrm>
+          <a:off x="0" y="0"/>
+          <a:ext cx="0" cy="0"/>
+          <a:chOff x="0" y="0"/>
+          <a:chExt cx="0" cy="0"/>
+        </a:xfrm>
+      </p:grpSpPr>
+      <p:sp>
+        <p:nvSpPr>
+          <p:cNvPr id="2" name="Title 1"/>
+          <p:cNvSpPr>
+            <a:spLocks noGrp="1"/>
+          </p:cNvSpPr>
+          <p:nvPr>
+            <p:ph type="title"/>
+          </p:nvPr>
+        </p:nvSpPr>
+        <p:spPr>
+          <a:xfrm>
+            <a:off x="76200" y="76200"/>
+            <a:ext cx="8991600" cy="762000"/>
+          </a:xfrm>
+          <a:solidFill>
+            <a:srgbClr val="FDAE61"/>
+          </a:solidFill>
+        </p:spPr>
+        <p:txBody>
+          <a:bodyPr>
+            <a:normAutofit fontScale="90000"/>
+          </a:bodyPr>
+          <a:lstStyle/>
+          <a:p>
+            <a:pPr marL="0" indent="0"/>
+            <a:r>
+              <a:rPr lang="en-US" sz="4900" dirty="0" smtClean="0"/>
               <a:t>Example Report (4 Week History)</a:t>
             </a:r>
             <a:endParaRPr lang="en-US" dirty="0"/>
@@ -5471,7 +5861,7 @@
 </p:sld>
 </file>
 
-<file path=ppt/slides/slide21.xml><?xml version="1.0" encoding="utf-8"?>
+<file path=ppt/slides/slide24.xml><?xml version="1.0" encoding="utf-8"?>
 <p:sld xmlns:a="http://schemas.openxmlformats.org/drawingml/2006/main" xmlns:r="http://schemas.openxmlformats.org/officeDocument/2006/relationships" xmlns:p="http://schemas.openxmlformats.org/presentationml/2006/main">
   <p:cSld>
     <p:spTree>
@@ -5681,7 +6071,7 @@
 </p:sld>
 </file>
 
-<file path=ppt/slides/slide22.xml><?xml version="1.0" encoding="utf-8"?>
+<file path=ppt/slides/slide25.xml><?xml version="1.0" encoding="utf-8"?>
 <p:sld xmlns:a="http://schemas.openxmlformats.org/drawingml/2006/main" xmlns:r="http://schemas.openxmlformats.org/officeDocument/2006/relationships" xmlns:p="http://schemas.openxmlformats.org/presentationml/2006/main">
   <p:cSld>
     <p:spTree>
@@ -5983,7 +6373,7 @@
 </p:sld>
 </file>
 
-<file path=ppt/slides/slide23.xml><?xml version="1.0" encoding="utf-8"?>
+<file path=ppt/slides/slide26.xml><?xml version="1.0" encoding="utf-8"?>
 <p:sld xmlns:a="http://schemas.openxmlformats.org/drawingml/2006/main" xmlns:r="http://schemas.openxmlformats.org/officeDocument/2006/relationships" xmlns:p="http://schemas.openxmlformats.org/presentationml/2006/main">
   <p:cSld>
     <p:spTree>
@@ -6155,7 +6545,7 @@
 </p:sld>
 </file>
 
-<file path=ppt/slides/slide24.xml><?xml version="1.0" encoding="utf-8"?>
+<file path=ppt/slides/slide27.xml><?xml version="1.0" encoding="utf-8"?>
 <p:sld xmlns:a="http://schemas.openxmlformats.org/drawingml/2006/main" xmlns:r="http://schemas.openxmlformats.org/officeDocument/2006/relationships" xmlns:p="http://schemas.openxmlformats.org/presentationml/2006/main">
   <p:cSld>
     <p:spTree>
@@ -6384,7 +6774,7 @@
 </p:sld>
 </file>
 
-<file path=ppt/slides/slide25.xml><?xml version="1.0" encoding="utf-8"?>
+<file path=ppt/slides/slide28.xml><?xml version="1.0" encoding="utf-8"?>
 <p:sld xmlns:a="http://schemas.openxmlformats.org/drawingml/2006/main" xmlns:r="http://schemas.openxmlformats.org/officeDocument/2006/relationships" xmlns:p="http://schemas.openxmlformats.org/presentationml/2006/main">
   <p:cSld>
     <p:spTree>
@@ -6509,7 +6899,7 @@
 </p:sld>
 </file>
 
-<file path=ppt/slides/slide26.xml><?xml version="1.0" encoding="utf-8"?>
+<file path=ppt/slides/slide29.xml><?xml version="1.0" encoding="utf-8"?>
 <p:sld xmlns:a="http://schemas.openxmlformats.org/drawingml/2006/main" xmlns:r="http://schemas.openxmlformats.org/officeDocument/2006/relationships" xmlns:p="http://schemas.openxmlformats.org/presentationml/2006/main">
   <p:cSld>
     <p:spTree>
@@ -6634,7 +7024,300 @@
 </p:sld>
 </file>
 
-<file path=ppt/slides/slide27.xml><?xml version="1.0" encoding="utf-8"?>
+<file path=ppt/slides/slide3.xml><?xml version="1.0" encoding="utf-8"?>
+<p:sld xmlns:a="http://schemas.openxmlformats.org/drawingml/2006/main" xmlns:r="http://schemas.openxmlformats.org/officeDocument/2006/relationships" xmlns:p="http://schemas.openxmlformats.org/presentationml/2006/main">
+  <p:cSld>
+    <p:spTree>
+      <p:nvGrpSpPr>
+        <p:cNvPr id="1" name=""/>
+        <p:cNvGrpSpPr/>
+        <p:nvPr/>
+      </p:nvGrpSpPr>
+      <p:grpSpPr>
+        <a:xfrm>
+          <a:off x="0" y="0"/>
+          <a:ext cx="0" cy="0"/>
+          <a:chOff x="0" y="0"/>
+          <a:chExt cx="0" cy="0"/>
+        </a:xfrm>
+      </p:grpSpPr>
+      <p:sp>
+        <p:nvSpPr>
+          <p:cNvPr id="2" name="Title 1"/>
+          <p:cNvSpPr>
+            <a:spLocks noGrp="1"/>
+          </p:cNvSpPr>
+          <p:nvPr>
+            <p:ph type="title"/>
+          </p:nvPr>
+        </p:nvSpPr>
+        <p:spPr>
+          <a:xfrm>
+            <a:off x="76200" y="76200"/>
+            <a:ext cx="8991600" cy="762000"/>
+          </a:xfrm>
+          <a:solidFill>
+            <a:srgbClr val="9E0142"/>
+          </a:solidFill>
+        </p:spPr>
+        <p:txBody>
+          <a:bodyPr>
+            <a:normAutofit fontScale="90000"/>
+          </a:bodyPr>
+          <a:lstStyle/>
+          <a:p>
+            <a:pPr marL="0" indent="0"/>
+            <a:r>
+              <a:rPr lang="en-US" sz="4900" dirty="0"/>
+              <a:t>Collaboration among</a:t>
+            </a:r>
+            <a:endParaRPr lang="en-US" dirty="0"/>
+          </a:p>
+        </p:txBody>
+      </p:sp>
+      <p:sp>
+        <p:nvSpPr>
+          <p:cNvPr id="3" name="Content Placeholder 2"/>
+          <p:cNvSpPr>
+            <a:spLocks noGrp="1"/>
+          </p:cNvSpPr>
+          <p:nvPr>
+            <p:ph idx="1"/>
+          </p:nvPr>
+        </p:nvSpPr>
+        <p:spPr>
+          <a:xfrm>
+            <a:off x="0" y="838200"/>
+            <a:ext cx="9144000" cy="6019800"/>
+          </a:xfrm>
+        </p:spPr>
+        <p:txBody>
+          <a:bodyPr>
+            <a:normAutofit/>
+          </a:bodyPr>
+          <a:lstStyle/>
+          <a:p>
+            <a:pPr marL="514350" indent="-514350">
+              <a:buFont typeface="+mj-lt"/>
+              <a:buAutoNum type="arabicPeriod"/>
+            </a:pPr>
+            <a:endParaRPr lang="en-US" dirty="0" smtClean="0"/>
+          </a:p>
+          <a:p>
+            <a:pPr marL="514350" indent="-514350">
+              <a:buFont typeface="+mj-lt"/>
+              <a:buAutoNum type="arabicPeriod"/>
+            </a:pPr>
+            <a:r>
+              <a:rPr lang="en-US" dirty="0" smtClean="0"/>
+              <a:t>The 4 statisticians on the project.</a:t>
+            </a:r>
+            <a:br>
+              <a:rPr lang="en-US" dirty="0" smtClean="0"/>
+            </a:br>
+            <a:r>
+              <a:rPr lang="en-US" sz="2400" i="1" dirty="0" smtClean="0">
+                <a:solidFill>
+                  <a:srgbClr val="9E0142"/>
+                </a:solidFill>
+              </a:rPr>
+              <a:t>sharing software development.</a:t>
+            </a:r>
+            <a:endParaRPr lang="en-US" sz="2800" i="1" dirty="0" smtClean="0">
+              <a:solidFill>
+                <a:srgbClr val="9E0142"/>
+              </a:solidFill>
+            </a:endParaRPr>
+          </a:p>
+          <a:p>
+            <a:pPr marL="514350" indent="-514350">
+              <a:buFont typeface="+mj-lt"/>
+              <a:buAutoNum type="arabicPeriod"/>
+            </a:pPr>
+            <a:r>
+              <a:rPr lang="en-US" dirty="0" smtClean="0"/>
+              <a:t>The 20 people on the project.</a:t>
+            </a:r>
+            <a:br>
+              <a:rPr lang="en-US" dirty="0" smtClean="0"/>
+            </a:br>
+            <a:r>
+              <a:rPr lang="en-US" sz="2400" i="1" dirty="0" smtClean="0">
+                <a:solidFill>
+                  <a:srgbClr val="9E0142"/>
+                </a:solidFill>
+              </a:rPr>
+              <a:t>exchanging participant-level data.</a:t>
+            </a:r>
+          </a:p>
+          <a:p>
+            <a:pPr marL="514350" indent="-514350">
+              <a:buFont typeface="+mj-lt"/>
+              <a:buAutoNum type="arabicPeriod"/>
+            </a:pPr>
+            <a:r>
+              <a:rPr lang="en-US" dirty="0" smtClean="0"/>
+              <a:t>The 3 partnering organizations.</a:t>
+            </a:r>
+            <a:r>
+              <a:rPr lang="en-US" dirty="0" smtClean="0">
+                <a:solidFill>
+                  <a:schemeClr val="bg1">
+                    <a:lumMod val="50000"/>
+                  </a:schemeClr>
+                </a:solidFill>
+              </a:rPr>
+              <a:t> </a:t>
+            </a:r>
+            <a:r>
+              <a:rPr lang="en-US" sz="2800" dirty="0" smtClean="0">
+                <a:solidFill>
+                  <a:schemeClr val="bg1">
+                    <a:lumMod val="50000"/>
+                  </a:schemeClr>
+                </a:solidFill>
+              </a:rPr>
+              <a:t>(OSDH, WIC, OHCA)</a:t>
+            </a:r>
+            <a:r>
+              <a:rPr lang="en-US" dirty="0" smtClean="0">
+                <a:solidFill>
+                  <a:schemeClr val="bg1">
+                    <a:lumMod val="50000"/>
+                  </a:schemeClr>
+                </a:solidFill>
+              </a:rPr>
+              <a:t/>
+            </a:r>
+            <a:br>
+              <a:rPr lang="en-US" dirty="0" smtClean="0">
+                <a:solidFill>
+                  <a:schemeClr val="bg1">
+                    <a:lumMod val="50000"/>
+                  </a:schemeClr>
+                </a:solidFill>
+              </a:rPr>
+            </a:br>
+            <a:r>
+              <a:rPr lang="en-US" sz="2400" i="1" dirty="0" smtClean="0">
+                <a:solidFill>
+                  <a:srgbClr val="9E0142"/>
+                </a:solidFill>
+              </a:rPr>
+              <a:t>-receiving their subject-level &amp; agency-level data.</a:t>
+            </a:r>
+            <a:br>
+              <a:rPr lang="en-US" sz="2400" i="1" dirty="0" smtClean="0">
+                <a:solidFill>
+                  <a:srgbClr val="9E0142"/>
+                </a:solidFill>
+              </a:rPr>
+            </a:br>
+            <a:r>
+              <a:rPr lang="en-US" sz="2400" i="1" dirty="0" smtClean="0">
+                <a:solidFill>
+                  <a:srgbClr val="9E0142"/>
+                </a:solidFill>
+              </a:rPr>
+              <a:t>-distributing our results –fresh &amp; frequently.</a:t>
+            </a:r>
+          </a:p>
+          <a:p>
+            <a:pPr marL="514350" indent="-514350">
+              <a:buFont typeface="+mj-lt"/>
+              <a:buAutoNum type="arabicPeriod"/>
+            </a:pPr>
+            <a:r>
+              <a:rPr lang="en-US" dirty="0" smtClean="0"/>
+              <a:t>Academics in different areas.</a:t>
+            </a:r>
+            <a:r>
+              <a:rPr lang="en-US" dirty="0" smtClean="0">
+                <a:solidFill>
+                  <a:schemeClr val="bg1">
+                    <a:lumMod val="50000"/>
+                  </a:schemeClr>
+                </a:solidFill>
+              </a:rPr>
+              <a:t> </a:t>
+            </a:r>
+            <a:r>
+              <a:rPr lang="en-US" sz="2800" dirty="0" smtClean="0">
+                <a:solidFill>
+                  <a:schemeClr val="bg1">
+                    <a:lumMod val="50000"/>
+                  </a:schemeClr>
+                </a:solidFill>
+              </a:rPr>
+              <a:t>(particularly at OUHSC)</a:t>
+            </a:r>
+            <a:br>
+              <a:rPr lang="en-US" sz="2800" dirty="0" smtClean="0">
+                <a:solidFill>
+                  <a:schemeClr val="bg1">
+                    <a:lumMod val="50000"/>
+                  </a:schemeClr>
+                </a:solidFill>
+              </a:rPr>
+            </a:br>
+            <a:r>
+              <a:rPr lang="en-US" sz="2400" i="1" dirty="0" smtClean="0">
+                <a:solidFill>
+                  <a:srgbClr val="9E0142"/>
+                </a:solidFill>
+              </a:rPr>
+              <a:t>exchanging tools and workflows.</a:t>
+            </a:r>
+            <a:endParaRPr lang="en-US" sz="2800" i="1" dirty="0" smtClean="0">
+              <a:solidFill>
+                <a:srgbClr val="9E0142"/>
+              </a:solidFill>
+            </a:endParaRPr>
+          </a:p>
+          <a:p>
+            <a:pPr marL="514350" indent="-514350">
+              <a:buFont typeface="+mj-lt"/>
+              <a:buAutoNum type="arabicPeriod"/>
+            </a:pPr>
+            <a:r>
+              <a:rPr lang="en-US" dirty="0" smtClean="0"/>
+              <a:t>Researchers in other states pursuing similar goals.</a:t>
+            </a:r>
+            <a:br>
+              <a:rPr lang="en-US" dirty="0" smtClean="0"/>
+            </a:br>
+            <a:r>
+              <a:rPr lang="en-US" sz="2400" i="1" dirty="0" smtClean="0">
+                <a:solidFill>
+                  <a:srgbClr val="9E0142"/>
+                </a:solidFill>
+              </a:rPr>
+              <a:t>publishing ideas and replicating previous work.</a:t>
+            </a:r>
+          </a:p>
+        </p:txBody>
+      </p:sp>
+    </p:spTree>
+    <p:extLst>
+      <p:ext uri="{BB962C8B-B14F-4D97-AF65-F5344CB8AC3E}">
+        <p14:creationId xmlns:p14="http://schemas.microsoft.com/office/powerpoint/2010/main" val="4255841258"/>
+      </p:ext>
+    </p:extLst>
+  </p:cSld>
+  <p:clrMapOvr>
+    <a:masterClrMapping/>
+  </p:clrMapOvr>
+  <p:timing>
+    <p:tnLst>
+      <p:par>
+        <p:cTn id="1" dur="indefinite" restart="never" nodeType="tmRoot"/>
+      </p:par>
+    </p:tnLst>
+  </p:timing>
+</p:sld>
+</file>
+
+<file path=ppt/slides/slide30.xml><?xml version="1.0" encoding="utf-8"?>
 <p:sld xmlns:a="http://schemas.openxmlformats.org/drawingml/2006/main" xmlns:r="http://schemas.openxmlformats.org/officeDocument/2006/relationships" xmlns:p="http://schemas.openxmlformats.org/presentationml/2006/main">
   <p:cSld>
     <p:spTree>
@@ -6759,7 +7442,7 @@
 </p:sld>
 </file>
 
-<file path=ppt/slides/slide28.xml><?xml version="1.0" encoding="utf-8"?>
+<file path=ppt/slides/slide31.xml><?xml version="1.0" encoding="utf-8"?>
 <p:sld xmlns:a="http://schemas.openxmlformats.org/drawingml/2006/main" xmlns:r="http://schemas.openxmlformats.org/officeDocument/2006/relationships" xmlns:p="http://schemas.openxmlformats.org/presentationml/2006/main">
   <p:cSld>
     <p:spTree>
@@ -6899,7 +7582,7 @@
 </p:sld>
 </file>
 
-<file path=ppt/slides/slide29.xml><?xml version="1.0" encoding="utf-8"?>
+<file path=ppt/slides/slide32.xml><?xml version="1.0" encoding="utf-8"?>
 <p:sld xmlns:a="http://schemas.openxmlformats.org/drawingml/2006/main" xmlns:r="http://schemas.openxmlformats.org/officeDocument/2006/relationships" xmlns:p="http://schemas.openxmlformats.org/presentationml/2006/main">
   <p:cSld>
     <p:spTree>
@@ -7039,947 +7722,6 @@
 </p:sld>
 </file>
 
-<file path=ppt/slides/slide3.xml><?xml version="1.0" encoding="utf-8"?>
-<p:sld xmlns:a="http://schemas.openxmlformats.org/drawingml/2006/main" xmlns:r="http://schemas.openxmlformats.org/officeDocument/2006/relationships" xmlns:p="http://schemas.openxmlformats.org/presentationml/2006/main">
-  <p:cSld>
-    <p:spTree>
-      <p:nvGrpSpPr>
-        <p:cNvPr id="1" name=""/>
-        <p:cNvGrpSpPr/>
-        <p:nvPr/>
-      </p:nvGrpSpPr>
-      <p:grpSpPr>
-        <a:xfrm>
-          <a:off x="0" y="0"/>
-          <a:ext cx="0" cy="0"/>
-          <a:chOff x="0" y="0"/>
-          <a:chExt cx="0" cy="0"/>
-        </a:xfrm>
-      </p:grpSpPr>
-      <p:sp>
-        <p:nvSpPr>
-          <p:cNvPr id="2" name="Title 1"/>
-          <p:cNvSpPr>
-            <a:spLocks noGrp="1"/>
-          </p:cNvSpPr>
-          <p:nvPr>
-            <p:ph type="title"/>
-          </p:nvPr>
-        </p:nvSpPr>
-        <p:spPr>
-          <a:xfrm>
-            <a:off x="76200" y="76200"/>
-            <a:ext cx="8991600" cy="762000"/>
-          </a:xfrm>
-          <a:solidFill>
-            <a:srgbClr val="9E0142"/>
-          </a:solidFill>
-        </p:spPr>
-        <p:txBody>
-          <a:bodyPr>
-            <a:normAutofit fontScale="90000"/>
-          </a:bodyPr>
-          <a:lstStyle/>
-          <a:p>
-            <a:pPr marL="0" indent="0"/>
-            <a:r>
-              <a:rPr lang="en-US" sz="4900" dirty="0"/>
-              <a:t>Collaboration among</a:t>
-            </a:r>
-            <a:endParaRPr lang="en-US" dirty="0"/>
-          </a:p>
-        </p:txBody>
-      </p:sp>
-      <p:sp>
-        <p:nvSpPr>
-          <p:cNvPr id="3" name="Content Placeholder 2"/>
-          <p:cNvSpPr>
-            <a:spLocks noGrp="1"/>
-          </p:cNvSpPr>
-          <p:nvPr>
-            <p:ph idx="1"/>
-          </p:nvPr>
-        </p:nvSpPr>
-        <p:spPr>
-          <a:xfrm>
-            <a:off x="0" y="838200"/>
-            <a:ext cx="9144000" cy="6019800"/>
-          </a:xfrm>
-        </p:spPr>
-        <p:txBody>
-          <a:bodyPr>
-            <a:normAutofit/>
-          </a:bodyPr>
-          <a:lstStyle/>
-          <a:p>
-            <a:pPr marL="514350" indent="-514350">
-              <a:buFont typeface="+mj-lt"/>
-              <a:buAutoNum type="arabicPeriod"/>
-            </a:pPr>
-            <a:endParaRPr lang="en-US" dirty="0" smtClean="0"/>
-          </a:p>
-          <a:p>
-            <a:pPr marL="514350" indent="-514350">
-              <a:buFont typeface="+mj-lt"/>
-              <a:buAutoNum type="arabicPeriod"/>
-            </a:pPr>
-            <a:r>
-              <a:rPr lang="en-US" dirty="0" smtClean="0"/>
-              <a:t>The 4 statisticians on the project.</a:t>
-            </a:r>
-            <a:br>
-              <a:rPr lang="en-US" dirty="0" smtClean="0"/>
-            </a:br>
-            <a:r>
-              <a:rPr lang="en-US" sz="2400" i="1" dirty="0" smtClean="0">
-                <a:solidFill>
-                  <a:srgbClr val="9E0142"/>
-                </a:solidFill>
-              </a:rPr>
-              <a:t>sharing software development.</a:t>
-            </a:r>
-            <a:endParaRPr lang="en-US" sz="2800" i="1" dirty="0" smtClean="0">
-              <a:solidFill>
-                <a:srgbClr val="9E0142"/>
-              </a:solidFill>
-            </a:endParaRPr>
-          </a:p>
-          <a:p>
-            <a:pPr marL="514350" indent="-514350">
-              <a:buFont typeface="+mj-lt"/>
-              <a:buAutoNum type="arabicPeriod"/>
-            </a:pPr>
-            <a:r>
-              <a:rPr lang="en-US" dirty="0" smtClean="0"/>
-              <a:t>The 20 people on the project.</a:t>
-            </a:r>
-            <a:br>
-              <a:rPr lang="en-US" dirty="0" smtClean="0"/>
-            </a:br>
-            <a:r>
-              <a:rPr lang="en-US" sz="2400" i="1" dirty="0" smtClean="0">
-                <a:solidFill>
-                  <a:srgbClr val="9E0142"/>
-                </a:solidFill>
-              </a:rPr>
-              <a:t>exchanging participant-level data.</a:t>
-            </a:r>
-          </a:p>
-          <a:p>
-            <a:pPr marL="514350" indent="-514350">
-              <a:buFont typeface="+mj-lt"/>
-              <a:buAutoNum type="arabicPeriod"/>
-            </a:pPr>
-            <a:r>
-              <a:rPr lang="en-US" dirty="0" smtClean="0"/>
-              <a:t>The 3 partnering organizations.</a:t>
-            </a:r>
-            <a:r>
-              <a:rPr lang="en-US" dirty="0" smtClean="0">
-                <a:solidFill>
-                  <a:schemeClr val="bg1">
-                    <a:lumMod val="50000"/>
-                  </a:schemeClr>
-                </a:solidFill>
-              </a:rPr>
-              <a:t> </a:t>
-            </a:r>
-            <a:r>
-              <a:rPr lang="en-US" sz="2800" dirty="0" smtClean="0">
-                <a:solidFill>
-                  <a:schemeClr val="bg1">
-                    <a:lumMod val="50000"/>
-                  </a:schemeClr>
-                </a:solidFill>
-              </a:rPr>
-              <a:t>(OSDH, WIC, OHCA)</a:t>
-            </a:r>
-            <a:r>
-              <a:rPr lang="en-US" dirty="0" smtClean="0">
-                <a:solidFill>
-                  <a:schemeClr val="bg1">
-                    <a:lumMod val="50000"/>
-                  </a:schemeClr>
-                </a:solidFill>
-              </a:rPr>
-              <a:t/>
-            </a:r>
-            <a:br>
-              <a:rPr lang="en-US" dirty="0" smtClean="0">
-                <a:solidFill>
-                  <a:schemeClr val="bg1">
-                    <a:lumMod val="50000"/>
-                  </a:schemeClr>
-                </a:solidFill>
-              </a:rPr>
-            </a:br>
-            <a:r>
-              <a:rPr lang="en-US" sz="2400" i="1" dirty="0" smtClean="0">
-                <a:solidFill>
-                  <a:srgbClr val="9E0142"/>
-                </a:solidFill>
-              </a:rPr>
-              <a:t>-receiving their subject-level &amp; agency-level data.</a:t>
-            </a:r>
-            <a:br>
-              <a:rPr lang="en-US" sz="2400" i="1" dirty="0" smtClean="0">
-                <a:solidFill>
-                  <a:srgbClr val="9E0142"/>
-                </a:solidFill>
-              </a:rPr>
-            </a:br>
-            <a:r>
-              <a:rPr lang="en-US" sz="2400" i="1" dirty="0" smtClean="0">
-                <a:solidFill>
-                  <a:srgbClr val="9E0142"/>
-                </a:solidFill>
-              </a:rPr>
-              <a:t>-distributing our results –fresh &amp; frequently.</a:t>
-            </a:r>
-          </a:p>
-          <a:p>
-            <a:pPr marL="514350" indent="-514350">
-              <a:buFont typeface="+mj-lt"/>
-              <a:buAutoNum type="arabicPeriod"/>
-            </a:pPr>
-            <a:r>
-              <a:rPr lang="en-US" dirty="0" smtClean="0"/>
-              <a:t>Academics in different areas.</a:t>
-            </a:r>
-            <a:r>
-              <a:rPr lang="en-US" dirty="0" smtClean="0">
-                <a:solidFill>
-                  <a:schemeClr val="bg1">
-                    <a:lumMod val="50000"/>
-                  </a:schemeClr>
-                </a:solidFill>
-              </a:rPr>
-              <a:t> </a:t>
-            </a:r>
-            <a:r>
-              <a:rPr lang="en-US" sz="2800" dirty="0" smtClean="0">
-                <a:solidFill>
-                  <a:schemeClr val="bg1">
-                    <a:lumMod val="50000"/>
-                  </a:schemeClr>
-                </a:solidFill>
-              </a:rPr>
-              <a:t>(particularly at OUHSC)</a:t>
-            </a:r>
-            <a:br>
-              <a:rPr lang="en-US" sz="2800" dirty="0" smtClean="0">
-                <a:solidFill>
-                  <a:schemeClr val="bg1">
-                    <a:lumMod val="50000"/>
-                  </a:schemeClr>
-                </a:solidFill>
-              </a:rPr>
-            </a:br>
-            <a:r>
-              <a:rPr lang="en-US" sz="2400" i="1" dirty="0" smtClean="0">
-                <a:solidFill>
-                  <a:srgbClr val="9E0142"/>
-                </a:solidFill>
-              </a:rPr>
-              <a:t>exchanging tools and workflows.</a:t>
-            </a:r>
-            <a:endParaRPr lang="en-US" sz="2800" i="1" dirty="0" smtClean="0">
-              <a:solidFill>
-                <a:srgbClr val="9E0142"/>
-              </a:solidFill>
-            </a:endParaRPr>
-          </a:p>
-          <a:p>
-            <a:pPr marL="514350" indent="-514350">
-              <a:buFont typeface="+mj-lt"/>
-              <a:buAutoNum type="arabicPeriod"/>
-            </a:pPr>
-            <a:r>
-              <a:rPr lang="en-US" dirty="0" smtClean="0"/>
-              <a:t>Researchers in other states pursuing similar goals.</a:t>
-            </a:r>
-            <a:br>
-              <a:rPr lang="en-US" dirty="0" smtClean="0"/>
-            </a:br>
-            <a:r>
-              <a:rPr lang="en-US" sz="2400" i="1" dirty="0" smtClean="0">
-                <a:solidFill>
-                  <a:srgbClr val="9E0142"/>
-                </a:solidFill>
-              </a:rPr>
-              <a:t>publishing ideas and replicating previous work.</a:t>
-            </a:r>
-          </a:p>
-        </p:txBody>
-      </p:sp>
-    </p:spTree>
-    <p:extLst>
-      <p:ext uri="{BB962C8B-B14F-4D97-AF65-F5344CB8AC3E}">
-        <p14:creationId xmlns:p14="http://schemas.microsoft.com/office/powerpoint/2010/main" val="4255841258"/>
-      </p:ext>
-    </p:extLst>
-  </p:cSld>
-  <p:clrMapOvr>
-    <a:masterClrMapping/>
-  </p:clrMapOvr>
-  <p:timing>
-    <p:tnLst>
-      <p:par>
-        <p:cTn id="1" dur="indefinite" restart="never" nodeType="tmRoot"/>
-      </p:par>
-    </p:tnLst>
-  </p:timing>
-</p:sld>
-</file>
-
-<file path=ppt/slides/slide30.xml><?xml version="1.0" encoding="utf-8"?>
-<p:sld xmlns:a="http://schemas.openxmlformats.org/drawingml/2006/main" xmlns:r="http://schemas.openxmlformats.org/officeDocument/2006/relationships" xmlns:p="http://schemas.openxmlformats.org/presentationml/2006/main">
-  <p:cSld>
-    <p:spTree>
-      <p:nvGrpSpPr>
-        <p:cNvPr id="1" name=""/>
-        <p:cNvGrpSpPr/>
-        <p:nvPr/>
-      </p:nvGrpSpPr>
-      <p:grpSpPr>
-        <a:xfrm>
-          <a:off x="0" y="0"/>
-          <a:ext cx="0" cy="0"/>
-          <a:chOff x="0" y="0"/>
-          <a:chExt cx="0" cy="0"/>
-        </a:xfrm>
-      </p:grpSpPr>
-      <p:sp>
-        <p:nvSpPr>
-          <p:cNvPr id="2" name="Title 1"/>
-          <p:cNvSpPr>
-            <a:spLocks noGrp="1"/>
-          </p:cNvSpPr>
-          <p:nvPr>
-            <p:ph type="title"/>
-          </p:nvPr>
-        </p:nvSpPr>
-        <p:spPr>
-          <a:xfrm>
-            <a:off x="76200" y="76200"/>
-            <a:ext cx="8991600" cy="762000"/>
-          </a:xfrm>
-          <a:solidFill>
-            <a:srgbClr val="66C2A5"/>
-          </a:solidFill>
-        </p:spPr>
-        <p:txBody>
-          <a:bodyPr>
-            <a:normAutofit fontScale="90000"/>
-          </a:bodyPr>
-          <a:lstStyle/>
-          <a:p>
-            <a:pPr marL="0" indent="0"/>
-            <a:r>
-              <a:rPr lang="en-US" sz="4900" dirty="0" smtClean="0"/>
-              <a:t>Goals</a:t>
-            </a:r>
-            <a:endParaRPr lang="en-US" dirty="0"/>
-          </a:p>
-        </p:txBody>
-      </p:sp>
-      <p:sp>
-        <p:nvSpPr>
-          <p:cNvPr id="3" name="Content Placeholder 2"/>
-          <p:cNvSpPr>
-            <a:spLocks noGrp="1"/>
-          </p:cNvSpPr>
-          <p:nvPr>
-            <p:ph idx="1"/>
-          </p:nvPr>
-        </p:nvSpPr>
-        <p:spPr>
-          <a:xfrm>
-            <a:off x="0" y="838200"/>
-            <a:ext cx="9144000" cy="6019800"/>
-          </a:xfrm>
-        </p:spPr>
-        <p:txBody>
-          <a:bodyPr>
-            <a:normAutofit/>
-          </a:bodyPr>
-          <a:lstStyle/>
-          <a:p>
-            <a:endParaRPr lang="en-US" dirty="0" smtClean="0"/>
-          </a:p>
-          <a:p>
-            <a:r>
-              <a:rPr lang="en-US" dirty="0" smtClean="0"/>
-              <a:t>Reproducible research.</a:t>
-            </a:r>
-          </a:p>
-          <a:p>
-            <a:pPr lvl="1"/>
-            <a:r>
-              <a:rPr lang="en-US" dirty="0" smtClean="0"/>
-              <a:t>Facilitates scientific replication.</a:t>
-            </a:r>
-          </a:p>
-          <a:p>
-            <a:pPr lvl="1"/>
-            <a:r>
-              <a:rPr lang="en-US" dirty="0" smtClean="0"/>
-              <a:t>Disseminates techniques to other subfields.</a:t>
-            </a:r>
-          </a:p>
-          <a:p>
-            <a:pPr lvl="1"/>
-            <a:r>
-              <a:rPr lang="en-US" dirty="0"/>
-              <a:t>Promotes cumulative research.</a:t>
-            </a:r>
-          </a:p>
-          <a:p>
-            <a:endParaRPr lang="en-US" dirty="0"/>
-          </a:p>
-          <a:p>
-            <a:r>
-              <a:rPr lang="en-US" dirty="0"/>
-              <a:t>Literate </a:t>
-            </a:r>
-            <a:r>
-              <a:rPr lang="en-US" dirty="0" smtClean="0"/>
-              <a:t>programming.</a:t>
-            </a:r>
-          </a:p>
-          <a:p>
-            <a:pPr lvl="1"/>
-            <a:r>
-              <a:rPr lang="en-US" dirty="0" smtClean="0"/>
-              <a:t>Evaluated programs need fresh &amp; frequent feedback.</a:t>
-            </a:r>
-          </a:p>
-          <a:p>
-            <a:endParaRPr lang="en-US" dirty="0"/>
-          </a:p>
-          <a:p>
-            <a:r>
-              <a:rPr lang="en-US" dirty="0" smtClean="0"/>
-              <a:t>Collaborative Development.</a:t>
-            </a:r>
-            <a:endParaRPr lang="en-US" dirty="0"/>
-          </a:p>
-        </p:txBody>
-      </p:sp>
-    </p:spTree>
-    <p:extLst>
-      <p:ext uri="{BB962C8B-B14F-4D97-AF65-F5344CB8AC3E}">
-        <p14:creationId xmlns:p14="http://schemas.microsoft.com/office/powerpoint/2010/main" val="1305404259"/>
-      </p:ext>
-    </p:extLst>
-  </p:cSld>
-  <p:clrMapOvr>
-    <a:masterClrMapping/>
-  </p:clrMapOvr>
-  <p:timing>
-    <p:tnLst>
-      <p:par>
-        <p:cTn id="1" dur="indefinite" restart="never" nodeType="tmRoot"/>
-      </p:par>
-    </p:tnLst>
-  </p:timing>
-</p:sld>
-</file>
-
-<file path=ppt/slides/slide31.xml><?xml version="1.0" encoding="utf-8"?>
-<p:sld xmlns:a="http://schemas.openxmlformats.org/drawingml/2006/main" xmlns:r="http://schemas.openxmlformats.org/officeDocument/2006/relationships" xmlns:p="http://schemas.openxmlformats.org/presentationml/2006/main">
-  <p:cSld>
-    <p:spTree>
-      <p:nvGrpSpPr>
-        <p:cNvPr id="1" name=""/>
-        <p:cNvGrpSpPr/>
-        <p:nvPr/>
-      </p:nvGrpSpPr>
-      <p:grpSpPr>
-        <a:xfrm>
-          <a:off x="0" y="0"/>
-          <a:ext cx="0" cy="0"/>
-          <a:chOff x="0" y="0"/>
-          <a:chExt cx="0" cy="0"/>
-        </a:xfrm>
-      </p:grpSpPr>
-      <p:sp>
-        <p:nvSpPr>
-          <p:cNvPr id="2" name="Title 1"/>
-          <p:cNvSpPr>
-            <a:spLocks noGrp="1"/>
-          </p:cNvSpPr>
-          <p:nvPr>
-            <p:ph type="title"/>
-          </p:nvPr>
-        </p:nvSpPr>
-        <p:spPr>
-          <a:xfrm>
-            <a:off x="76200" y="76200"/>
-            <a:ext cx="8991600" cy="762000"/>
-          </a:xfrm>
-          <a:solidFill>
-            <a:srgbClr val="66C2A5"/>
-          </a:solidFill>
-        </p:spPr>
-        <p:txBody>
-          <a:bodyPr>
-            <a:normAutofit fontScale="90000"/>
-          </a:bodyPr>
-          <a:lstStyle/>
-          <a:p>
-            <a:pPr marL="0" indent="0"/>
-            <a:r>
-              <a:rPr lang="en-US" sz="4900" dirty="0"/>
-              <a:t>Collaboration among</a:t>
-            </a:r>
-            <a:endParaRPr lang="en-US" dirty="0"/>
-          </a:p>
-        </p:txBody>
-      </p:sp>
-      <p:sp>
-        <p:nvSpPr>
-          <p:cNvPr id="3" name="Content Placeholder 2"/>
-          <p:cNvSpPr>
-            <a:spLocks noGrp="1"/>
-          </p:cNvSpPr>
-          <p:nvPr>
-            <p:ph idx="1"/>
-          </p:nvPr>
-        </p:nvSpPr>
-        <p:spPr>
-          <a:xfrm>
-            <a:off x="0" y="838200"/>
-            <a:ext cx="9144000" cy="6019800"/>
-          </a:xfrm>
-        </p:spPr>
-        <p:txBody>
-          <a:bodyPr>
-            <a:normAutofit lnSpcReduction="10000"/>
-          </a:bodyPr>
-          <a:lstStyle/>
-          <a:p>
-            <a:pPr marL="514350" indent="-514350">
-              <a:buFont typeface="+mj-lt"/>
-              <a:buAutoNum type="arabicPeriod"/>
-            </a:pPr>
-            <a:endParaRPr lang="en-US" dirty="0" smtClean="0"/>
-          </a:p>
-          <a:p>
-            <a:pPr marL="514350" indent="-514350">
-              <a:buFont typeface="+mj-lt"/>
-              <a:buAutoNum type="arabicPeriod"/>
-            </a:pPr>
-            <a:r>
-              <a:rPr lang="en-US" dirty="0" smtClean="0"/>
-              <a:t>The 4 statisticians on the project.</a:t>
-            </a:r>
-            <a:br>
-              <a:rPr lang="en-US" dirty="0" smtClean="0"/>
-            </a:br>
-            <a:r>
-              <a:rPr lang="en-US" sz="2800" i="1" dirty="0" smtClean="0">
-                <a:solidFill>
-                  <a:srgbClr val="66C2A5"/>
-                </a:solidFill>
-              </a:rPr>
-              <a:t>sharing software development.</a:t>
-            </a:r>
-          </a:p>
-          <a:p>
-            <a:pPr marL="514350" indent="-514350">
-              <a:buFont typeface="+mj-lt"/>
-              <a:buAutoNum type="arabicPeriod"/>
-            </a:pPr>
-            <a:r>
-              <a:rPr lang="en-US" dirty="0" smtClean="0"/>
-              <a:t>The 20 people on the project.</a:t>
-            </a:r>
-            <a:br>
-              <a:rPr lang="en-US" dirty="0" smtClean="0"/>
-            </a:br>
-            <a:r>
-              <a:rPr lang="en-US" sz="2800" i="1" dirty="0" smtClean="0">
-                <a:solidFill>
-                  <a:srgbClr val="66C2A5"/>
-                </a:solidFill>
-              </a:rPr>
-              <a:t>exchanging participant-level data.</a:t>
-            </a:r>
-          </a:p>
-          <a:p>
-            <a:pPr marL="514350" indent="-514350">
-              <a:buFont typeface="+mj-lt"/>
-              <a:buAutoNum type="arabicPeriod"/>
-            </a:pPr>
-            <a:r>
-              <a:rPr lang="en-US" dirty="0" smtClean="0"/>
-              <a:t>The 3 partnering organizations.</a:t>
-            </a:r>
-            <a:r>
-              <a:rPr lang="en-US" dirty="0" smtClean="0">
-                <a:solidFill>
-                  <a:schemeClr val="bg1">
-                    <a:lumMod val="50000"/>
-                  </a:schemeClr>
-                </a:solidFill>
-              </a:rPr>
-              <a:t> </a:t>
-            </a:r>
-            <a:r>
-              <a:rPr lang="en-US" sz="2800" dirty="0" smtClean="0">
-                <a:solidFill>
-                  <a:schemeClr val="bg1">
-                    <a:lumMod val="50000"/>
-                  </a:schemeClr>
-                </a:solidFill>
-              </a:rPr>
-              <a:t>(OSDH, WIC, OHCA)</a:t>
-            </a:r>
-            <a:r>
-              <a:rPr lang="en-US" dirty="0" smtClean="0">
-                <a:solidFill>
-                  <a:schemeClr val="bg1">
-                    <a:lumMod val="50000"/>
-                  </a:schemeClr>
-                </a:solidFill>
-              </a:rPr>
-              <a:t/>
-            </a:r>
-            <a:br>
-              <a:rPr lang="en-US" dirty="0" smtClean="0">
-                <a:solidFill>
-                  <a:schemeClr val="bg1">
-                    <a:lumMod val="50000"/>
-                  </a:schemeClr>
-                </a:solidFill>
-              </a:rPr>
-            </a:br>
-            <a:r>
-              <a:rPr lang="en-US" sz="2800" i="1" dirty="0">
-                <a:solidFill>
-                  <a:srgbClr val="66C2A5"/>
-                </a:solidFill>
-              </a:rPr>
-              <a:t>-receiving their </a:t>
-            </a:r>
-            <a:r>
-              <a:rPr lang="en-US" sz="2800" i="1" dirty="0" smtClean="0">
-                <a:solidFill>
-                  <a:srgbClr val="66C2A5"/>
-                </a:solidFill>
-              </a:rPr>
-              <a:t>subject-level </a:t>
-            </a:r>
-            <a:r>
-              <a:rPr lang="en-US" sz="2800" i="1" dirty="0">
-                <a:solidFill>
-                  <a:srgbClr val="66C2A5"/>
-                </a:solidFill>
-              </a:rPr>
-              <a:t>&amp; agency-level </a:t>
-            </a:r>
-            <a:r>
-              <a:rPr lang="en-US" sz="2800" i="1" dirty="0" smtClean="0">
-                <a:solidFill>
-                  <a:srgbClr val="66C2A5"/>
-                </a:solidFill>
-              </a:rPr>
-              <a:t>data.</a:t>
-            </a:r>
-            <a:r>
-              <a:rPr lang="en-US" sz="2800" i="1" dirty="0">
-                <a:solidFill>
-                  <a:srgbClr val="66C2A5"/>
-                </a:solidFill>
-              </a:rPr>
-              <a:t/>
-            </a:r>
-            <a:br>
-              <a:rPr lang="en-US" sz="2800" i="1" dirty="0">
-                <a:solidFill>
-                  <a:srgbClr val="66C2A5"/>
-                </a:solidFill>
-              </a:rPr>
-            </a:br>
-            <a:r>
-              <a:rPr lang="en-US" sz="2800" i="1" dirty="0">
-                <a:solidFill>
-                  <a:srgbClr val="66C2A5"/>
-                </a:solidFill>
-              </a:rPr>
-              <a:t>-distributing our </a:t>
-            </a:r>
-            <a:r>
-              <a:rPr lang="en-US" sz="2800" i="1" dirty="0" smtClean="0">
-                <a:solidFill>
-                  <a:srgbClr val="66C2A5"/>
-                </a:solidFill>
-              </a:rPr>
-              <a:t>results –fresh &amp; frequently.</a:t>
-            </a:r>
-          </a:p>
-          <a:p>
-            <a:pPr marL="514350" indent="-514350">
-              <a:buFont typeface="+mj-lt"/>
-              <a:buAutoNum type="arabicPeriod"/>
-            </a:pPr>
-            <a:r>
-              <a:rPr lang="en-US" dirty="0" smtClean="0"/>
-              <a:t>Academics in different areas.</a:t>
-            </a:r>
-            <a:r>
-              <a:rPr lang="en-US" dirty="0" smtClean="0">
-                <a:solidFill>
-                  <a:schemeClr val="bg1">
-                    <a:lumMod val="50000"/>
-                  </a:schemeClr>
-                </a:solidFill>
-              </a:rPr>
-              <a:t> </a:t>
-            </a:r>
-            <a:r>
-              <a:rPr lang="en-US" sz="2800" dirty="0" smtClean="0">
-                <a:solidFill>
-                  <a:schemeClr val="bg1">
-                    <a:lumMod val="50000"/>
-                  </a:schemeClr>
-                </a:solidFill>
-              </a:rPr>
-              <a:t>(particularly at OUHSC)</a:t>
-            </a:r>
-            <a:br>
-              <a:rPr lang="en-US" sz="2800" dirty="0" smtClean="0">
-                <a:solidFill>
-                  <a:schemeClr val="bg1">
-                    <a:lumMod val="50000"/>
-                  </a:schemeClr>
-                </a:solidFill>
-              </a:rPr>
-            </a:br>
-            <a:r>
-              <a:rPr lang="en-US" sz="2800" i="1" dirty="0" smtClean="0">
-                <a:solidFill>
-                  <a:srgbClr val="66C2A5"/>
-                </a:solidFill>
-              </a:rPr>
-              <a:t>exchanging tools and workflows.</a:t>
-            </a:r>
-          </a:p>
-          <a:p>
-            <a:pPr marL="514350" indent="-514350">
-              <a:buFont typeface="+mj-lt"/>
-              <a:buAutoNum type="arabicPeriod"/>
-            </a:pPr>
-            <a:r>
-              <a:rPr lang="en-US" dirty="0" smtClean="0"/>
-              <a:t>Researchers in other states pursuing similar goals.</a:t>
-            </a:r>
-            <a:br>
-              <a:rPr lang="en-US" dirty="0" smtClean="0"/>
-            </a:br>
-            <a:r>
-              <a:rPr lang="en-US" sz="2800" i="1" dirty="0" smtClean="0">
-                <a:solidFill>
-                  <a:srgbClr val="66C2A5"/>
-                </a:solidFill>
-              </a:rPr>
-              <a:t>publishing ideas and replicating previous work.</a:t>
-            </a:r>
-          </a:p>
-        </p:txBody>
-      </p:sp>
-    </p:spTree>
-    <p:extLst>
-      <p:ext uri="{BB962C8B-B14F-4D97-AF65-F5344CB8AC3E}">
-        <p14:creationId xmlns:p14="http://schemas.microsoft.com/office/powerpoint/2010/main" val="2726563502"/>
-      </p:ext>
-    </p:extLst>
-  </p:cSld>
-  <p:clrMapOvr>
-    <a:masterClrMapping/>
-  </p:clrMapOvr>
-  <p:timing>
-    <p:tnLst>
-      <p:par>
-        <p:cTn id="1" dur="indefinite" restart="never" nodeType="tmRoot"/>
-      </p:par>
-    </p:tnLst>
-  </p:timing>
-</p:sld>
-</file>
-
-<file path=ppt/slides/slide32.xml><?xml version="1.0" encoding="utf-8"?>
-<p:sld xmlns:a="http://schemas.openxmlformats.org/drawingml/2006/main" xmlns:r="http://schemas.openxmlformats.org/officeDocument/2006/relationships" xmlns:p="http://schemas.openxmlformats.org/presentationml/2006/main">
-  <p:cSld>
-    <p:spTree>
-      <p:nvGrpSpPr>
-        <p:cNvPr id="1" name=""/>
-        <p:cNvGrpSpPr/>
-        <p:nvPr/>
-      </p:nvGrpSpPr>
-      <p:grpSpPr>
-        <a:xfrm>
-          <a:off x="0" y="0"/>
-          <a:ext cx="0" cy="0"/>
-          <a:chOff x="0" y="0"/>
-          <a:chExt cx="0" cy="0"/>
-        </a:xfrm>
-      </p:grpSpPr>
-      <p:sp>
-        <p:nvSpPr>
-          <p:cNvPr id="2" name="Title 1"/>
-          <p:cNvSpPr>
-            <a:spLocks noGrp="1"/>
-          </p:cNvSpPr>
-          <p:nvPr>
-            <p:ph type="title"/>
-          </p:nvPr>
-        </p:nvSpPr>
-        <p:spPr>
-          <a:xfrm>
-            <a:off x="76200" y="76200"/>
-            <a:ext cx="8991600" cy="762000"/>
-          </a:xfrm>
-          <a:solidFill>
-            <a:srgbClr val="3288BD"/>
-          </a:solidFill>
-        </p:spPr>
-        <p:txBody>
-          <a:bodyPr>
-            <a:normAutofit/>
-          </a:bodyPr>
-          <a:lstStyle/>
-          <a:p>
-            <a:pPr>
-              <a:spcBef>
-                <a:spcPts val="0"/>
-              </a:spcBef>
-              <a:defRPr/>
-            </a:pPr>
-            <a:r>
-              <a:rPr lang="en-US" dirty="0"/>
-              <a:t>Document Version </a:t>
-            </a:r>
-            <a:r>
-              <a:rPr lang="en-US" dirty="0" smtClean="0"/>
-              <a:t>Control:</a:t>
-            </a:r>
-            <a:endParaRPr lang="en-US" sz="3600" dirty="0"/>
-          </a:p>
-        </p:txBody>
-      </p:sp>
-      <p:sp>
-        <p:nvSpPr>
-          <p:cNvPr id="3" name="Content Placeholder 2"/>
-          <p:cNvSpPr>
-            <a:spLocks noGrp="1"/>
-          </p:cNvSpPr>
-          <p:nvPr>
-            <p:ph idx="1"/>
-          </p:nvPr>
-        </p:nvSpPr>
-        <p:spPr>
-          <a:xfrm>
-            <a:off x="0" y="1447800"/>
-            <a:ext cx="9144000" cy="5410200"/>
-          </a:xfrm>
-        </p:spPr>
-        <p:txBody>
-          <a:bodyPr>
-            <a:normAutofit/>
-          </a:bodyPr>
-          <a:lstStyle/>
-          <a:p>
-            <a:r>
-              <a:rPr lang="en-US" dirty="0" smtClean="0"/>
-              <a:t>Examples: GitHub </a:t>
-            </a:r>
-            <a:r>
-              <a:rPr lang="en-US" dirty="0"/>
-              <a:t>and Microsoft </a:t>
-            </a:r>
-            <a:r>
-              <a:rPr lang="en-US" dirty="0" smtClean="0"/>
-              <a:t>SharePoint</a:t>
-            </a:r>
-            <a:br>
-              <a:rPr lang="en-US" dirty="0" smtClean="0"/>
-            </a:br>
-            <a:endParaRPr lang="en-US" dirty="0"/>
-          </a:p>
-          <a:p>
-            <a:r>
-              <a:rPr lang="en-US" dirty="0" smtClean="0"/>
-              <a:t>Think </a:t>
-            </a:r>
-            <a:r>
-              <a:rPr lang="en-US" dirty="0"/>
-              <a:t>MS Word’s </a:t>
-            </a:r>
-            <a:r>
-              <a:rPr lang="en-US" dirty="0" smtClean="0"/>
-              <a:t>“Track Changes” </a:t>
-            </a:r>
-            <a:r>
-              <a:rPr lang="en-US" dirty="0"/>
-              <a:t>feature, </a:t>
-            </a:r>
-            <a:r>
-              <a:rPr lang="en-US" dirty="0" smtClean="0"/>
-              <a:t>but </a:t>
-            </a:r>
-          </a:p>
-          <a:p>
-            <a:pPr lvl="1"/>
-            <a:r>
-              <a:rPr lang="en-US" dirty="0" smtClean="0"/>
-              <a:t>Retains the entire history of each document.</a:t>
-            </a:r>
-          </a:p>
-          <a:p>
-            <a:pPr lvl="1"/>
-            <a:r>
-              <a:rPr lang="en-US" dirty="0" smtClean="0"/>
-              <a:t>Facilitates </a:t>
-            </a:r>
-            <a:r>
-              <a:rPr lang="en-US" u="sng" dirty="0" smtClean="0"/>
-              <a:t>parallel</a:t>
-            </a:r>
-            <a:r>
-              <a:rPr lang="en-US" dirty="0" smtClean="0"/>
-              <a:t> development between people.</a:t>
-            </a:r>
-          </a:p>
-          <a:p>
-            <a:pPr marL="0" indent="0">
-              <a:buNone/>
-            </a:pPr>
-            <a:endParaRPr lang="en-US" dirty="0" smtClean="0"/>
-          </a:p>
-        </p:txBody>
-      </p:sp>
-    </p:spTree>
-    <p:extLst>
-      <p:ext uri="{BB962C8B-B14F-4D97-AF65-F5344CB8AC3E}">
-        <p14:creationId xmlns:p14="http://schemas.microsoft.com/office/powerpoint/2010/main" val="2648876777"/>
-      </p:ext>
-    </p:extLst>
-  </p:cSld>
-  <p:clrMapOvr>
-    <a:masterClrMapping/>
-  </p:clrMapOvr>
-  <p:timing>
-    <p:tnLst>
-      <p:par>
-        <p:cTn id="1" dur="indefinite" restart="never" nodeType="tmRoot"/>
-      </p:par>
-    </p:tnLst>
-  </p:timing>
-</p:sld>
-</file>
-
 <file path=ppt/slides/slide33.xml><?xml version="1.0" encoding="utf-8"?>
 <p:sld xmlns:a="http://schemas.openxmlformats.org/drawingml/2006/main" xmlns:r="http://schemas.openxmlformats.org/officeDocument/2006/relationships" xmlns:p="http://schemas.openxmlformats.org/presentationml/2006/main">
   <p:cSld>
@@ -8013,18 +7755,19 @@
             <a:ext cx="8991600" cy="762000"/>
           </a:xfrm>
           <a:solidFill>
-            <a:srgbClr val="5E4FA2"/>
+            <a:srgbClr val="66C2A5"/>
           </a:solidFill>
         </p:spPr>
         <p:txBody>
           <a:bodyPr>
-            <a:normAutofit/>
+            <a:normAutofit fontScale="90000"/>
           </a:bodyPr>
           <a:lstStyle/>
           <a:p>
-            <a:r>
-              <a:rPr lang="en-US" dirty="0" smtClean="0"/>
-              <a:t>Underlying Security Concepts Part 1</a:t>
+            <a:pPr marL="0" indent="0"/>
+            <a:r>
+              <a:rPr lang="en-US" sz="4900" dirty="0" smtClean="0"/>
+              <a:t>Goals</a:t>
             </a:r>
             <a:endParaRPr lang="en-US" dirty="0"/>
           </a:p>
@@ -8042,112 +7785,81 @@
         </p:nvSpPr>
         <p:spPr>
           <a:xfrm>
-            <a:off x="0" y="1371600"/>
-            <a:ext cx="9144000" cy="5257800"/>
+            <a:off x="0" y="838200"/>
+            <a:ext cx="9144000" cy="6019800"/>
           </a:xfrm>
         </p:spPr>
         <p:txBody>
-          <a:bodyPr/>
+          <a:bodyPr>
+            <a:normAutofit/>
+          </a:bodyPr>
           <a:lstStyle/>
           <a:p>
-            <a:r>
-              <a:rPr lang="en-US" dirty="0" smtClean="0"/>
-              <a:t>Principle of least privilege: </a:t>
-            </a:r>
-            <a:r>
-              <a:rPr lang="en-US" sz="2800" dirty="0" smtClean="0"/>
-              <a:t>expose as little as possible.</a:t>
-            </a:r>
             <a:endParaRPr lang="en-US" dirty="0" smtClean="0"/>
           </a:p>
           <a:p>
+            <a:r>
+              <a:rPr lang="en-US" dirty="0" smtClean="0"/>
+              <a:t>Reproducible research.</a:t>
+            </a:r>
+          </a:p>
+          <a:p>
             <a:pPr lvl="1"/>
             <a:r>
-              <a:rPr lang="en-US" dirty="0" smtClean="0">
-                <a:solidFill>
-                  <a:schemeClr val="bg1">
-                    <a:lumMod val="50000"/>
-                  </a:schemeClr>
-                </a:solidFill>
-              </a:rPr>
-              <a:t>Limit the number of team members.</a:t>
+              <a:rPr lang="en-US" dirty="0" smtClean="0"/>
+              <a:t>Facilitates scientific replication.</a:t>
             </a:r>
           </a:p>
           <a:p>
             <a:pPr lvl="1"/>
             <a:r>
-              <a:rPr lang="en-US" dirty="0" smtClean="0">
-                <a:solidFill>
-                  <a:schemeClr val="bg1">
-                    <a:lumMod val="50000"/>
-                  </a:schemeClr>
-                </a:solidFill>
-              </a:rPr>
-              <a:t>Limit the amount of data (consider rows &amp; columns).</a:t>
+              <a:rPr lang="en-US" dirty="0" smtClean="0"/>
+              <a:t>Disseminates techniques to other subfields.</a:t>
             </a:r>
           </a:p>
           <a:p>
             <a:pPr lvl="1"/>
             <a:r>
-              <a:rPr lang="en-US" dirty="0" smtClean="0">
-                <a:solidFill>
-                  <a:schemeClr val="bg1">
-                    <a:lumMod val="50000"/>
-                  </a:schemeClr>
-                </a:solidFill>
-              </a:rPr>
-              <a:t>Obfuscate </a:t>
-            </a:r>
-            <a:r>
-              <a:rPr lang="en-US" dirty="0">
-                <a:solidFill>
-                  <a:schemeClr val="bg1">
-                    <a:lumMod val="50000"/>
-                  </a:schemeClr>
-                </a:solidFill>
-              </a:rPr>
-              <a:t>values </a:t>
-            </a:r>
-            <a:r>
-              <a:rPr lang="en-US" dirty="0" smtClean="0">
-                <a:solidFill>
-                  <a:schemeClr val="bg1">
-                    <a:lumMod val="50000"/>
-                  </a:schemeClr>
-                </a:solidFill>
-              </a:rPr>
-              <a:t>and remove unnecessary PHI in derivative datasets.</a:t>
+              <a:rPr lang="en-US" dirty="0"/>
+              <a:t>Promotes cumulative research.</a:t>
+            </a:r>
+          </a:p>
+          <a:p>
+            <a:endParaRPr lang="en-US" dirty="0"/>
+          </a:p>
+          <a:p>
+            <a:r>
+              <a:rPr lang="en-US" dirty="0"/>
+              <a:t>Literate </a:t>
+            </a:r>
+            <a:r>
+              <a:rPr lang="en-US" dirty="0" smtClean="0"/>
+              <a:t>programming.</a:t>
             </a:r>
           </a:p>
           <a:p>
             <a:pPr lvl="1"/>
-            <a:endParaRPr lang="en-US" dirty="0" smtClean="0"/>
-          </a:p>
-          <a:p>
-            <a:r>
-              <a:rPr lang="en-US" dirty="0" smtClean="0"/>
-              <a:t>Redundant layers of protection.</a:t>
-            </a:r>
-          </a:p>
-          <a:p>
-            <a:pPr lvl="1"/>
-            <a:r>
-              <a:rPr lang="en-US" dirty="0" smtClean="0">
-                <a:solidFill>
-                  <a:schemeClr val="bg1">
-                    <a:lumMod val="50000"/>
-                  </a:schemeClr>
-                </a:solidFill>
-              </a:rPr>
-              <a:t>A single point of failure shouldn’t be enough to breach PHI security.</a:t>
-            </a:r>
+            <a:r>
+              <a:rPr lang="en-US" dirty="0" smtClean="0"/>
+              <a:t>Evaluated programs need fresh &amp; frequent feedback.</a:t>
+            </a:r>
+          </a:p>
+          <a:p>
+            <a:endParaRPr lang="en-US" dirty="0"/>
+          </a:p>
+          <a:p>
+            <a:r>
+              <a:rPr lang="en-US" dirty="0" smtClean="0"/>
+              <a:t>Collaborative Development.</a:t>
+            </a:r>
+            <a:endParaRPr lang="en-US" dirty="0"/>
           </a:p>
         </p:txBody>
       </p:sp>
     </p:spTree>
     <p:extLst>
       <p:ext uri="{BB962C8B-B14F-4D97-AF65-F5344CB8AC3E}">
-        <p14:creationId xmlns:p14="http://schemas.microsoft.com/office/powerpoint/2010/main" val="1341271100"/>
+        <p14:creationId xmlns:p14="http://schemas.microsoft.com/office/powerpoint/2010/main" val="1305404259"/>
       </p:ext>
     </p:extLst>
   </p:cSld>
@@ -8197,6 +7909,684 @@
             <a:ext cx="8991600" cy="762000"/>
           </a:xfrm>
           <a:solidFill>
+            <a:srgbClr val="66C2A5"/>
+          </a:solidFill>
+        </p:spPr>
+        <p:txBody>
+          <a:bodyPr>
+            <a:normAutofit fontScale="90000"/>
+          </a:bodyPr>
+          <a:lstStyle/>
+          <a:p>
+            <a:pPr marL="0" indent="0"/>
+            <a:r>
+              <a:rPr lang="en-US" sz="4900" dirty="0"/>
+              <a:t>Collaboration among</a:t>
+            </a:r>
+            <a:endParaRPr lang="en-US" dirty="0"/>
+          </a:p>
+        </p:txBody>
+      </p:sp>
+      <p:sp>
+        <p:nvSpPr>
+          <p:cNvPr id="3" name="Content Placeholder 2"/>
+          <p:cNvSpPr>
+            <a:spLocks noGrp="1"/>
+          </p:cNvSpPr>
+          <p:nvPr>
+            <p:ph idx="1"/>
+          </p:nvPr>
+        </p:nvSpPr>
+        <p:spPr>
+          <a:xfrm>
+            <a:off x="0" y="838200"/>
+            <a:ext cx="9144000" cy="6019800"/>
+          </a:xfrm>
+        </p:spPr>
+        <p:txBody>
+          <a:bodyPr>
+            <a:normAutofit lnSpcReduction="10000"/>
+          </a:bodyPr>
+          <a:lstStyle/>
+          <a:p>
+            <a:pPr marL="514350" indent="-514350">
+              <a:buFont typeface="+mj-lt"/>
+              <a:buAutoNum type="arabicPeriod"/>
+            </a:pPr>
+            <a:endParaRPr lang="en-US" dirty="0" smtClean="0"/>
+          </a:p>
+          <a:p>
+            <a:pPr marL="514350" indent="-514350">
+              <a:buFont typeface="+mj-lt"/>
+              <a:buAutoNum type="arabicPeriod"/>
+            </a:pPr>
+            <a:r>
+              <a:rPr lang="en-US" dirty="0" smtClean="0"/>
+              <a:t>The 4 statisticians on the project.</a:t>
+            </a:r>
+            <a:br>
+              <a:rPr lang="en-US" dirty="0" smtClean="0"/>
+            </a:br>
+            <a:r>
+              <a:rPr lang="en-US" sz="2800" i="1" dirty="0" smtClean="0">
+                <a:solidFill>
+                  <a:srgbClr val="66C2A5"/>
+                </a:solidFill>
+              </a:rPr>
+              <a:t>sharing software development.</a:t>
+            </a:r>
+          </a:p>
+          <a:p>
+            <a:pPr marL="514350" indent="-514350">
+              <a:buFont typeface="+mj-lt"/>
+              <a:buAutoNum type="arabicPeriod"/>
+            </a:pPr>
+            <a:r>
+              <a:rPr lang="en-US" dirty="0" smtClean="0"/>
+              <a:t>The 20 people on the project.</a:t>
+            </a:r>
+            <a:br>
+              <a:rPr lang="en-US" dirty="0" smtClean="0"/>
+            </a:br>
+            <a:r>
+              <a:rPr lang="en-US" sz="2800" i="1" dirty="0" smtClean="0">
+                <a:solidFill>
+                  <a:srgbClr val="66C2A5"/>
+                </a:solidFill>
+              </a:rPr>
+              <a:t>exchanging participant-level data.</a:t>
+            </a:r>
+          </a:p>
+          <a:p>
+            <a:pPr marL="514350" indent="-514350">
+              <a:buFont typeface="+mj-lt"/>
+              <a:buAutoNum type="arabicPeriod"/>
+            </a:pPr>
+            <a:r>
+              <a:rPr lang="en-US" dirty="0" smtClean="0"/>
+              <a:t>The 3 partnering organizations.</a:t>
+            </a:r>
+            <a:r>
+              <a:rPr lang="en-US" dirty="0" smtClean="0">
+                <a:solidFill>
+                  <a:schemeClr val="bg1">
+                    <a:lumMod val="50000"/>
+                  </a:schemeClr>
+                </a:solidFill>
+              </a:rPr>
+              <a:t> </a:t>
+            </a:r>
+            <a:r>
+              <a:rPr lang="en-US" sz="2800" dirty="0" smtClean="0">
+                <a:solidFill>
+                  <a:schemeClr val="bg1">
+                    <a:lumMod val="50000"/>
+                  </a:schemeClr>
+                </a:solidFill>
+              </a:rPr>
+              <a:t>(OSDH, WIC, OHCA)</a:t>
+            </a:r>
+            <a:r>
+              <a:rPr lang="en-US" dirty="0" smtClean="0">
+                <a:solidFill>
+                  <a:schemeClr val="bg1">
+                    <a:lumMod val="50000"/>
+                  </a:schemeClr>
+                </a:solidFill>
+              </a:rPr>
+              <a:t/>
+            </a:r>
+            <a:br>
+              <a:rPr lang="en-US" dirty="0" smtClean="0">
+                <a:solidFill>
+                  <a:schemeClr val="bg1">
+                    <a:lumMod val="50000"/>
+                  </a:schemeClr>
+                </a:solidFill>
+              </a:rPr>
+            </a:br>
+            <a:r>
+              <a:rPr lang="en-US" sz="2800" i="1" dirty="0">
+                <a:solidFill>
+                  <a:srgbClr val="66C2A5"/>
+                </a:solidFill>
+              </a:rPr>
+              <a:t>-receiving their </a:t>
+            </a:r>
+            <a:r>
+              <a:rPr lang="en-US" sz="2800" i="1" dirty="0" smtClean="0">
+                <a:solidFill>
+                  <a:srgbClr val="66C2A5"/>
+                </a:solidFill>
+              </a:rPr>
+              <a:t>subject-level </a:t>
+            </a:r>
+            <a:r>
+              <a:rPr lang="en-US" sz="2800" i="1" dirty="0">
+                <a:solidFill>
+                  <a:srgbClr val="66C2A5"/>
+                </a:solidFill>
+              </a:rPr>
+              <a:t>&amp; agency-level </a:t>
+            </a:r>
+            <a:r>
+              <a:rPr lang="en-US" sz="2800" i="1" dirty="0" smtClean="0">
+                <a:solidFill>
+                  <a:srgbClr val="66C2A5"/>
+                </a:solidFill>
+              </a:rPr>
+              <a:t>data.</a:t>
+            </a:r>
+            <a:r>
+              <a:rPr lang="en-US" sz="2800" i="1" dirty="0">
+                <a:solidFill>
+                  <a:srgbClr val="66C2A5"/>
+                </a:solidFill>
+              </a:rPr>
+              <a:t/>
+            </a:r>
+            <a:br>
+              <a:rPr lang="en-US" sz="2800" i="1" dirty="0">
+                <a:solidFill>
+                  <a:srgbClr val="66C2A5"/>
+                </a:solidFill>
+              </a:rPr>
+            </a:br>
+            <a:r>
+              <a:rPr lang="en-US" sz="2800" i="1" dirty="0">
+                <a:solidFill>
+                  <a:srgbClr val="66C2A5"/>
+                </a:solidFill>
+              </a:rPr>
+              <a:t>-distributing our </a:t>
+            </a:r>
+            <a:r>
+              <a:rPr lang="en-US" sz="2800" i="1" dirty="0" smtClean="0">
+                <a:solidFill>
+                  <a:srgbClr val="66C2A5"/>
+                </a:solidFill>
+              </a:rPr>
+              <a:t>results –fresh &amp; frequently.</a:t>
+            </a:r>
+          </a:p>
+          <a:p>
+            <a:pPr marL="514350" indent="-514350">
+              <a:buFont typeface="+mj-lt"/>
+              <a:buAutoNum type="arabicPeriod"/>
+            </a:pPr>
+            <a:r>
+              <a:rPr lang="en-US" dirty="0" smtClean="0"/>
+              <a:t>Academics in different areas.</a:t>
+            </a:r>
+            <a:r>
+              <a:rPr lang="en-US" dirty="0" smtClean="0">
+                <a:solidFill>
+                  <a:schemeClr val="bg1">
+                    <a:lumMod val="50000"/>
+                  </a:schemeClr>
+                </a:solidFill>
+              </a:rPr>
+              <a:t> </a:t>
+            </a:r>
+            <a:r>
+              <a:rPr lang="en-US" sz="2800" dirty="0" smtClean="0">
+                <a:solidFill>
+                  <a:schemeClr val="bg1">
+                    <a:lumMod val="50000"/>
+                  </a:schemeClr>
+                </a:solidFill>
+              </a:rPr>
+              <a:t>(particularly at OUHSC)</a:t>
+            </a:r>
+            <a:br>
+              <a:rPr lang="en-US" sz="2800" dirty="0" smtClean="0">
+                <a:solidFill>
+                  <a:schemeClr val="bg1">
+                    <a:lumMod val="50000"/>
+                  </a:schemeClr>
+                </a:solidFill>
+              </a:rPr>
+            </a:br>
+            <a:r>
+              <a:rPr lang="en-US" sz="2800" i="1" dirty="0" smtClean="0">
+                <a:solidFill>
+                  <a:srgbClr val="66C2A5"/>
+                </a:solidFill>
+              </a:rPr>
+              <a:t>exchanging tools and workflows.</a:t>
+            </a:r>
+          </a:p>
+          <a:p>
+            <a:pPr marL="514350" indent="-514350">
+              <a:buFont typeface="+mj-lt"/>
+              <a:buAutoNum type="arabicPeriod"/>
+            </a:pPr>
+            <a:r>
+              <a:rPr lang="en-US" dirty="0" smtClean="0"/>
+              <a:t>Researchers in other states pursuing similar goals.</a:t>
+            </a:r>
+            <a:br>
+              <a:rPr lang="en-US" dirty="0" smtClean="0"/>
+            </a:br>
+            <a:r>
+              <a:rPr lang="en-US" sz="2800" i="1" dirty="0" smtClean="0">
+                <a:solidFill>
+                  <a:srgbClr val="66C2A5"/>
+                </a:solidFill>
+              </a:rPr>
+              <a:t>publishing ideas and replicating previous work.</a:t>
+            </a:r>
+          </a:p>
+        </p:txBody>
+      </p:sp>
+    </p:spTree>
+    <p:extLst>
+      <p:ext uri="{BB962C8B-B14F-4D97-AF65-F5344CB8AC3E}">
+        <p14:creationId xmlns:p14="http://schemas.microsoft.com/office/powerpoint/2010/main" val="2726563502"/>
+      </p:ext>
+    </p:extLst>
+  </p:cSld>
+  <p:clrMapOvr>
+    <a:masterClrMapping/>
+  </p:clrMapOvr>
+  <p:timing>
+    <p:tnLst>
+      <p:par>
+        <p:cTn id="1" dur="indefinite" restart="never" nodeType="tmRoot"/>
+      </p:par>
+    </p:tnLst>
+  </p:timing>
+</p:sld>
+</file>
+
+<file path=ppt/slides/slide35.xml><?xml version="1.0" encoding="utf-8"?>
+<p:sld xmlns:a="http://schemas.openxmlformats.org/drawingml/2006/main" xmlns:r="http://schemas.openxmlformats.org/officeDocument/2006/relationships" xmlns:p="http://schemas.openxmlformats.org/presentationml/2006/main">
+  <p:cSld>
+    <p:spTree>
+      <p:nvGrpSpPr>
+        <p:cNvPr id="1" name=""/>
+        <p:cNvGrpSpPr/>
+        <p:nvPr/>
+      </p:nvGrpSpPr>
+      <p:grpSpPr>
+        <a:xfrm>
+          <a:off x="0" y="0"/>
+          <a:ext cx="0" cy="0"/>
+          <a:chOff x="0" y="0"/>
+          <a:chExt cx="0" cy="0"/>
+        </a:xfrm>
+      </p:grpSpPr>
+      <p:sp>
+        <p:nvSpPr>
+          <p:cNvPr id="2" name="Title 1"/>
+          <p:cNvSpPr>
+            <a:spLocks noGrp="1"/>
+          </p:cNvSpPr>
+          <p:nvPr>
+            <p:ph type="title"/>
+          </p:nvPr>
+        </p:nvSpPr>
+        <p:spPr>
+          <a:xfrm>
+            <a:off x="76200" y="76200"/>
+            <a:ext cx="8991600" cy="762000"/>
+          </a:xfrm>
+          <a:solidFill>
+            <a:srgbClr val="3288BD"/>
+          </a:solidFill>
+        </p:spPr>
+        <p:txBody>
+          <a:bodyPr>
+            <a:normAutofit/>
+          </a:bodyPr>
+          <a:lstStyle/>
+          <a:p>
+            <a:pPr>
+              <a:spcBef>
+                <a:spcPts val="0"/>
+              </a:spcBef>
+              <a:defRPr/>
+            </a:pPr>
+            <a:r>
+              <a:rPr lang="en-US" dirty="0"/>
+              <a:t>Document Version </a:t>
+            </a:r>
+            <a:r>
+              <a:rPr lang="en-US" dirty="0" smtClean="0"/>
+              <a:t>Control:</a:t>
+            </a:r>
+            <a:endParaRPr lang="en-US" sz="3600" dirty="0"/>
+          </a:p>
+        </p:txBody>
+      </p:sp>
+      <p:sp>
+        <p:nvSpPr>
+          <p:cNvPr id="3" name="Content Placeholder 2"/>
+          <p:cNvSpPr>
+            <a:spLocks noGrp="1"/>
+          </p:cNvSpPr>
+          <p:nvPr>
+            <p:ph idx="1"/>
+          </p:nvPr>
+        </p:nvSpPr>
+        <p:spPr>
+          <a:xfrm>
+            <a:off x="0" y="1447800"/>
+            <a:ext cx="9144000" cy="5410200"/>
+          </a:xfrm>
+        </p:spPr>
+        <p:txBody>
+          <a:bodyPr>
+            <a:normAutofit/>
+          </a:bodyPr>
+          <a:lstStyle/>
+          <a:p>
+            <a:r>
+              <a:rPr lang="en-US" dirty="0" smtClean="0"/>
+              <a:t>Examples: GitHub </a:t>
+            </a:r>
+            <a:r>
+              <a:rPr lang="en-US" dirty="0"/>
+              <a:t>and Microsoft </a:t>
+            </a:r>
+            <a:r>
+              <a:rPr lang="en-US" dirty="0" smtClean="0"/>
+              <a:t>SharePoint</a:t>
+            </a:r>
+            <a:br>
+              <a:rPr lang="en-US" dirty="0" smtClean="0"/>
+            </a:br>
+            <a:endParaRPr lang="en-US" dirty="0"/>
+          </a:p>
+          <a:p>
+            <a:r>
+              <a:rPr lang="en-US" dirty="0" smtClean="0"/>
+              <a:t>Think </a:t>
+            </a:r>
+            <a:r>
+              <a:rPr lang="en-US" dirty="0"/>
+              <a:t>MS Word’s </a:t>
+            </a:r>
+            <a:r>
+              <a:rPr lang="en-US" dirty="0" smtClean="0"/>
+              <a:t>“Track Changes” </a:t>
+            </a:r>
+            <a:r>
+              <a:rPr lang="en-US" dirty="0"/>
+              <a:t>feature, </a:t>
+            </a:r>
+            <a:r>
+              <a:rPr lang="en-US" dirty="0" smtClean="0"/>
+              <a:t>but </a:t>
+            </a:r>
+          </a:p>
+          <a:p>
+            <a:pPr lvl="1"/>
+            <a:r>
+              <a:rPr lang="en-US" dirty="0" smtClean="0"/>
+              <a:t>Retains the entire history of each document.</a:t>
+            </a:r>
+          </a:p>
+          <a:p>
+            <a:pPr lvl="1"/>
+            <a:r>
+              <a:rPr lang="en-US" dirty="0" smtClean="0"/>
+              <a:t>Facilitates </a:t>
+            </a:r>
+            <a:r>
+              <a:rPr lang="en-US" u="sng" dirty="0" smtClean="0"/>
+              <a:t>parallel</a:t>
+            </a:r>
+            <a:r>
+              <a:rPr lang="en-US" dirty="0" smtClean="0"/>
+              <a:t> development between people.</a:t>
+            </a:r>
+          </a:p>
+          <a:p>
+            <a:pPr marL="0" indent="0">
+              <a:buNone/>
+            </a:pPr>
+            <a:endParaRPr lang="en-US" dirty="0" smtClean="0"/>
+          </a:p>
+        </p:txBody>
+      </p:sp>
+    </p:spTree>
+    <p:extLst>
+      <p:ext uri="{BB962C8B-B14F-4D97-AF65-F5344CB8AC3E}">
+        <p14:creationId xmlns:p14="http://schemas.microsoft.com/office/powerpoint/2010/main" val="2648876777"/>
+      </p:ext>
+    </p:extLst>
+  </p:cSld>
+  <p:clrMapOvr>
+    <a:masterClrMapping/>
+  </p:clrMapOvr>
+  <p:timing>
+    <p:tnLst>
+      <p:par>
+        <p:cTn id="1" dur="indefinite" restart="never" nodeType="tmRoot"/>
+      </p:par>
+    </p:tnLst>
+  </p:timing>
+</p:sld>
+</file>
+
+<file path=ppt/slides/slide36.xml><?xml version="1.0" encoding="utf-8"?>
+<p:sld xmlns:a="http://schemas.openxmlformats.org/drawingml/2006/main" xmlns:r="http://schemas.openxmlformats.org/officeDocument/2006/relationships" xmlns:p="http://schemas.openxmlformats.org/presentationml/2006/main">
+  <p:cSld>
+    <p:spTree>
+      <p:nvGrpSpPr>
+        <p:cNvPr id="1" name=""/>
+        <p:cNvGrpSpPr/>
+        <p:nvPr/>
+      </p:nvGrpSpPr>
+      <p:grpSpPr>
+        <a:xfrm>
+          <a:off x="0" y="0"/>
+          <a:ext cx="0" cy="0"/>
+          <a:chOff x="0" y="0"/>
+          <a:chExt cx="0" cy="0"/>
+        </a:xfrm>
+      </p:grpSpPr>
+      <p:sp>
+        <p:nvSpPr>
+          <p:cNvPr id="2" name="Title 1"/>
+          <p:cNvSpPr>
+            <a:spLocks noGrp="1"/>
+          </p:cNvSpPr>
+          <p:nvPr>
+            <p:ph type="title"/>
+          </p:nvPr>
+        </p:nvSpPr>
+        <p:spPr>
+          <a:xfrm>
+            <a:off x="76200" y="76200"/>
+            <a:ext cx="8991600" cy="762000"/>
+          </a:xfrm>
+          <a:solidFill>
+            <a:srgbClr val="5E4FA2"/>
+          </a:solidFill>
+        </p:spPr>
+        <p:txBody>
+          <a:bodyPr>
+            <a:normAutofit/>
+          </a:bodyPr>
+          <a:lstStyle/>
+          <a:p>
+            <a:r>
+              <a:rPr lang="en-US" dirty="0" smtClean="0"/>
+              <a:t>Underlying Security Concepts Part 1</a:t>
+            </a:r>
+            <a:endParaRPr lang="en-US" dirty="0"/>
+          </a:p>
+        </p:txBody>
+      </p:sp>
+      <p:sp>
+        <p:nvSpPr>
+          <p:cNvPr id="3" name="Content Placeholder 2"/>
+          <p:cNvSpPr>
+            <a:spLocks noGrp="1"/>
+          </p:cNvSpPr>
+          <p:nvPr>
+            <p:ph idx="1"/>
+          </p:nvPr>
+        </p:nvSpPr>
+        <p:spPr>
+          <a:xfrm>
+            <a:off x="0" y="1371600"/>
+            <a:ext cx="9144000" cy="5257800"/>
+          </a:xfrm>
+        </p:spPr>
+        <p:txBody>
+          <a:bodyPr/>
+          <a:lstStyle/>
+          <a:p>
+            <a:r>
+              <a:rPr lang="en-US" dirty="0" smtClean="0"/>
+              <a:t>Principle of least privilege: </a:t>
+            </a:r>
+            <a:r>
+              <a:rPr lang="en-US" sz="2800" dirty="0" smtClean="0"/>
+              <a:t>expose as little as possible.</a:t>
+            </a:r>
+            <a:endParaRPr lang="en-US" dirty="0" smtClean="0"/>
+          </a:p>
+          <a:p>
+            <a:pPr lvl="1"/>
+            <a:r>
+              <a:rPr lang="en-US" dirty="0" smtClean="0">
+                <a:solidFill>
+                  <a:schemeClr val="bg1">
+                    <a:lumMod val="50000"/>
+                  </a:schemeClr>
+                </a:solidFill>
+              </a:rPr>
+              <a:t>Limit the number of team members.</a:t>
+            </a:r>
+          </a:p>
+          <a:p>
+            <a:pPr lvl="1"/>
+            <a:r>
+              <a:rPr lang="en-US" dirty="0" smtClean="0">
+                <a:solidFill>
+                  <a:schemeClr val="bg1">
+                    <a:lumMod val="50000"/>
+                  </a:schemeClr>
+                </a:solidFill>
+              </a:rPr>
+              <a:t>Limit the amount of data (consider rows &amp; columns).</a:t>
+            </a:r>
+          </a:p>
+          <a:p>
+            <a:pPr lvl="1"/>
+            <a:r>
+              <a:rPr lang="en-US" dirty="0" smtClean="0">
+                <a:solidFill>
+                  <a:schemeClr val="bg1">
+                    <a:lumMod val="50000"/>
+                  </a:schemeClr>
+                </a:solidFill>
+              </a:rPr>
+              <a:t>Obfuscate </a:t>
+            </a:r>
+            <a:r>
+              <a:rPr lang="en-US" dirty="0">
+                <a:solidFill>
+                  <a:schemeClr val="bg1">
+                    <a:lumMod val="50000"/>
+                  </a:schemeClr>
+                </a:solidFill>
+              </a:rPr>
+              <a:t>values </a:t>
+            </a:r>
+            <a:r>
+              <a:rPr lang="en-US" dirty="0" smtClean="0">
+                <a:solidFill>
+                  <a:schemeClr val="bg1">
+                    <a:lumMod val="50000"/>
+                  </a:schemeClr>
+                </a:solidFill>
+              </a:rPr>
+              <a:t>and remove unnecessary PHI in derivative datasets.</a:t>
+            </a:r>
+          </a:p>
+          <a:p>
+            <a:pPr lvl="1"/>
+            <a:endParaRPr lang="en-US" dirty="0" smtClean="0"/>
+          </a:p>
+          <a:p>
+            <a:r>
+              <a:rPr lang="en-US" dirty="0" smtClean="0"/>
+              <a:t>Redundant layers of protection.</a:t>
+            </a:r>
+          </a:p>
+          <a:p>
+            <a:pPr lvl="1"/>
+            <a:r>
+              <a:rPr lang="en-US" dirty="0" smtClean="0">
+                <a:solidFill>
+                  <a:schemeClr val="bg1">
+                    <a:lumMod val="50000"/>
+                  </a:schemeClr>
+                </a:solidFill>
+              </a:rPr>
+              <a:t>A single point of failure shouldn’t be enough to breach PHI security.</a:t>
+            </a:r>
+          </a:p>
+        </p:txBody>
+      </p:sp>
+    </p:spTree>
+    <p:extLst>
+      <p:ext uri="{BB962C8B-B14F-4D97-AF65-F5344CB8AC3E}">
+        <p14:creationId xmlns:p14="http://schemas.microsoft.com/office/powerpoint/2010/main" val="1341271100"/>
+      </p:ext>
+    </p:extLst>
+  </p:cSld>
+  <p:clrMapOvr>
+    <a:masterClrMapping/>
+  </p:clrMapOvr>
+  <p:timing>
+    <p:tnLst>
+      <p:par>
+        <p:cTn id="1" dur="indefinite" restart="never" nodeType="tmRoot"/>
+      </p:par>
+    </p:tnLst>
+  </p:timing>
+</p:sld>
+</file>
+
+<file path=ppt/slides/slide37.xml><?xml version="1.0" encoding="utf-8"?>
+<p:sld xmlns:a="http://schemas.openxmlformats.org/drawingml/2006/main" xmlns:r="http://schemas.openxmlformats.org/officeDocument/2006/relationships" xmlns:p="http://schemas.openxmlformats.org/presentationml/2006/main">
+  <p:cSld>
+    <p:spTree>
+      <p:nvGrpSpPr>
+        <p:cNvPr id="1" name=""/>
+        <p:cNvGrpSpPr/>
+        <p:nvPr/>
+      </p:nvGrpSpPr>
+      <p:grpSpPr>
+        <a:xfrm>
+          <a:off x="0" y="0"/>
+          <a:ext cx="0" cy="0"/>
+          <a:chOff x="0" y="0"/>
+          <a:chExt cx="0" cy="0"/>
+        </a:xfrm>
+      </p:grpSpPr>
+      <p:sp>
+        <p:nvSpPr>
+          <p:cNvPr id="2" name="Title 1"/>
+          <p:cNvSpPr>
+            <a:spLocks noGrp="1"/>
+          </p:cNvSpPr>
+          <p:nvPr>
+            <p:ph type="title"/>
+          </p:nvPr>
+        </p:nvSpPr>
+        <p:spPr>
+          <a:xfrm>
+            <a:off x="76200" y="76200"/>
+            <a:ext cx="8991600" cy="762000"/>
+          </a:xfrm>
+          <a:solidFill>
             <a:srgbClr val="5E4FA2"/>
           </a:solidFill>
         </p:spPr>
@@ -8384,7 +8774,7 @@
 </p:sld>
 </file>
 
-<file path=ppt/slides/slide35.xml><?xml version="1.0" encoding="utf-8"?>
+<file path=ppt/slides/slide38.xml><?xml version="1.0" encoding="utf-8"?>
 <p:sld xmlns:a="http://schemas.openxmlformats.org/drawingml/2006/main" xmlns:r="http://schemas.openxmlformats.org/officeDocument/2006/relationships" xmlns:p="http://schemas.openxmlformats.org/presentationml/2006/main">
   <p:cSld>
     <p:spTree>
@@ -8766,7 +9156,7 @@
 </p:sld>
 </file>
 
-<file path=ppt/slides/slide36.xml><?xml version="1.0" encoding="utf-8"?>
+<file path=ppt/slides/slide39.xml><?xml version="1.0" encoding="utf-8"?>
 <p:sld xmlns:a="http://schemas.openxmlformats.org/drawingml/2006/main" xmlns:r="http://schemas.openxmlformats.org/officeDocument/2006/relationships" xmlns:p="http://schemas.openxmlformats.org/presentationml/2006/main">
   <p:cSld>
     <p:spTree>
@@ -8803,7 +9193,254 @@
 </p:sld>
 </file>
 
-<file path=ppt/slides/slide37.xml><?xml version="1.0" encoding="utf-8"?>
+<file path=ppt/slides/slide4.xml><?xml version="1.0" encoding="utf-8"?>
+<p:sld xmlns:a="http://schemas.openxmlformats.org/drawingml/2006/main" xmlns:r="http://schemas.openxmlformats.org/officeDocument/2006/relationships" xmlns:p="http://schemas.openxmlformats.org/presentationml/2006/main">
+  <p:cSld>
+    <p:spTree>
+      <p:nvGrpSpPr>
+        <p:cNvPr id="1" name=""/>
+        <p:cNvGrpSpPr/>
+        <p:nvPr/>
+      </p:nvGrpSpPr>
+      <p:grpSpPr>
+        <a:xfrm>
+          <a:off x="0" y="0"/>
+          <a:ext cx="0" cy="0"/>
+          <a:chOff x="0" y="0"/>
+          <a:chExt cx="0" cy="0"/>
+        </a:xfrm>
+      </p:grpSpPr>
+      <p:sp>
+        <p:nvSpPr>
+          <p:cNvPr id="2" name="Title 1"/>
+          <p:cNvSpPr>
+            <a:spLocks noGrp="1"/>
+          </p:cNvSpPr>
+          <p:nvPr>
+            <p:ph type="title"/>
+          </p:nvPr>
+        </p:nvSpPr>
+        <p:spPr>
+          <a:xfrm>
+            <a:off x="76200" y="76200"/>
+            <a:ext cx="8991600" cy="609600"/>
+          </a:xfrm>
+          <a:solidFill>
+            <a:srgbClr val="9E0142"/>
+          </a:solidFill>
+        </p:spPr>
+        <p:txBody>
+          <a:bodyPr>
+            <a:noAutofit/>
+          </a:bodyPr>
+          <a:lstStyle/>
+          <a:p>
+            <a:r>
+              <a:rPr lang="en-US" sz="3200" dirty="0" err="1" smtClean="0"/>
+              <a:t>REDCap</a:t>
+            </a:r>
+            <a:r>
+              <a:rPr lang="en-US" sz="3200" dirty="0" smtClean="0"/>
+              <a:t> </a:t>
+            </a:r>
+            <a:r>
+              <a:rPr lang="en-US" sz="3200" dirty="0"/>
+              <a:t>overview (</a:t>
+            </a:r>
+            <a:r>
+              <a:rPr lang="en-US" sz="3200" dirty="0">
+                <a:hlinkClick r:id="rId2"/>
+              </a:rPr>
+              <a:t>http://project-redcap.org</a:t>
+            </a:r>
+            <a:r>
+              <a:rPr lang="en-US" sz="3200" dirty="0" smtClean="0">
+                <a:hlinkClick r:id="rId2"/>
+              </a:rPr>
+              <a:t>/</a:t>
+            </a:r>
+            <a:r>
+              <a:rPr lang="en-US" sz="3200" dirty="0" smtClean="0"/>
+              <a:t>)</a:t>
+            </a:r>
+            <a:endParaRPr lang="en-US" sz="3200" dirty="0"/>
+          </a:p>
+        </p:txBody>
+      </p:sp>
+      <p:sp>
+        <p:nvSpPr>
+          <p:cNvPr id="3" name="Content Placeholder 2"/>
+          <p:cNvSpPr>
+            <a:spLocks noGrp="1"/>
+          </p:cNvSpPr>
+          <p:nvPr>
+            <p:ph idx="1"/>
+          </p:nvPr>
+        </p:nvSpPr>
+        <p:spPr>
+          <a:xfrm>
+            <a:off x="0" y="685800"/>
+            <a:ext cx="9144000" cy="6172200"/>
+          </a:xfrm>
+        </p:spPr>
+        <p:txBody>
+          <a:bodyPr>
+            <a:normAutofit fontScale="77500" lnSpcReduction="20000"/>
+          </a:bodyPr>
+          <a:lstStyle/>
+          <a:p>
+            <a:r>
+              <a:rPr lang="en-US" dirty="0" smtClean="0"/>
+              <a:t>Secure web application for building and managing surveys and databases.</a:t>
+            </a:r>
+          </a:p>
+          <a:p>
+            <a:pPr lvl="1"/>
+            <a:r>
+              <a:rPr lang="en-US" dirty="0" smtClean="0"/>
+              <a:t>Developed by informatics core at Vanderbilt with support from NCRR and NIH.</a:t>
+            </a:r>
+          </a:p>
+          <a:p>
+            <a:pPr lvl="2"/>
+            <a:r>
+              <a:rPr lang="en-US" dirty="0" smtClean="0"/>
+              <a:t>Designed for academic </a:t>
+            </a:r>
+            <a:r>
+              <a:rPr lang="en-US" smtClean="0"/>
+              <a:t>biomedical researchers.</a:t>
+            </a:r>
+            <a:endParaRPr lang="en-US" dirty="0" smtClean="0"/>
+          </a:p>
+          <a:p>
+            <a:r>
+              <a:rPr lang="en-US" dirty="0" smtClean="0"/>
+              <a:t>Provides:</a:t>
+            </a:r>
+          </a:p>
+          <a:p>
+            <a:pPr lvl="1"/>
+            <a:r>
+              <a:rPr lang="en-US" dirty="0" smtClean="0"/>
+              <a:t>A centralized, back-end storage component</a:t>
+            </a:r>
+            <a:r>
+              <a:rPr lang="en-US" dirty="0"/>
+              <a:t>.</a:t>
+            </a:r>
+            <a:endParaRPr lang="en-US" dirty="0" smtClean="0"/>
+          </a:p>
+          <a:p>
+            <a:pPr lvl="1"/>
+            <a:r>
+              <a:rPr lang="en-US" dirty="0" smtClean="0"/>
+              <a:t>Tools to create an interactive </a:t>
+            </a:r>
+            <a:r>
+              <a:rPr lang="en-US" dirty="0"/>
+              <a:t>front-end </a:t>
+            </a:r>
+            <a:r>
+              <a:rPr lang="en-US" dirty="0" smtClean="0"/>
+              <a:t>html GUI.</a:t>
+            </a:r>
+          </a:p>
+          <a:p>
+            <a:pPr lvl="1"/>
+            <a:r>
+              <a:rPr lang="en-US" dirty="0" smtClean="0"/>
+              <a:t>An API to import &amp; export data.</a:t>
+            </a:r>
+          </a:p>
+          <a:p>
+            <a:pPr lvl="1"/>
+            <a:r>
+              <a:rPr lang="en-US" dirty="0" smtClean="0"/>
+              <a:t>Example templates.</a:t>
+            </a:r>
+          </a:p>
+          <a:p>
+            <a:pPr lvl="1"/>
+            <a:r>
+              <a:rPr lang="en-US" dirty="0" smtClean="0"/>
+              <a:t>Instructional videos for training.</a:t>
+            </a:r>
+          </a:p>
+          <a:p>
+            <a:pPr lvl="1"/>
+            <a:r>
+              <a:rPr lang="en-US" dirty="0" smtClean="0"/>
+              <a:t>User-group network of institutional researchers.</a:t>
+            </a:r>
+          </a:p>
+          <a:p>
+            <a:pPr lvl="1"/>
+            <a:r>
+              <a:rPr lang="en-US" dirty="0"/>
+              <a:t>Also </a:t>
+            </a:r>
+            <a:r>
+              <a:rPr lang="en-US" dirty="0" smtClean="0"/>
+              <a:t>included: built-in </a:t>
+            </a:r>
+            <a:r>
+              <a:rPr lang="en-US" dirty="0"/>
+              <a:t>project calendar, </a:t>
+            </a:r>
+            <a:r>
+              <a:rPr lang="en-US" dirty="0" smtClean="0"/>
+              <a:t>scheduling </a:t>
+            </a:r>
+            <a:r>
+              <a:rPr lang="en-US" dirty="0"/>
+              <a:t>module, ad hoc reporting tools, and advanced features, such as branching logic, file uploading, and calculated fields.</a:t>
+            </a:r>
+            <a:endParaRPr lang="en-US" dirty="0" smtClean="0"/>
+          </a:p>
+          <a:p>
+            <a:r>
+              <a:rPr lang="en-US" dirty="0" smtClean="0"/>
+              <a:t>It can reduce</a:t>
+            </a:r>
+          </a:p>
+          <a:p>
+            <a:pPr lvl="1"/>
+            <a:r>
+              <a:rPr lang="en-US" dirty="0" smtClean="0"/>
+              <a:t>Developing a lot of new software applications.</a:t>
+            </a:r>
+          </a:p>
+          <a:p>
+            <a:pPr lvl="1"/>
+            <a:r>
+              <a:rPr lang="en-US" dirty="0" smtClean="0"/>
+              <a:t>Anxieties related to security of home-grown software.</a:t>
+            </a:r>
+          </a:p>
+        </p:txBody>
+      </p:sp>
+    </p:spTree>
+    <p:extLst>
+      <p:ext uri="{BB962C8B-B14F-4D97-AF65-F5344CB8AC3E}">
+        <p14:creationId xmlns:p14="http://schemas.microsoft.com/office/powerpoint/2010/main" val="3906736802"/>
+      </p:ext>
+    </p:extLst>
+  </p:cSld>
+  <p:clrMapOvr>
+    <a:masterClrMapping/>
+  </p:clrMapOvr>
+  <p:timing>
+    <p:tnLst>
+      <p:par>
+        <p:cTn id="1" dur="indefinite" restart="never" nodeType="tmRoot"/>
+      </p:par>
+    </p:tnLst>
+  </p:timing>
+</p:sld>
+</file>
+
+<file path=ppt/slides/slide40.xml><?xml version="1.0" encoding="utf-8"?>
 <p:sld xmlns:a="http://schemas.openxmlformats.org/drawingml/2006/main" xmlns:r="http://schemas.openxmlformats.org/officeDocument/2006/relationships" xmlns:p="http://schemas.openxmlformats.org/presentationml/2006/main">
   <p:cSld>
     <p:spTree>
@@ -11306,253 +11943,6 @@
 </p:sld>
 </file>
 
-<file path=ppt/slides/slide4.xml><?xml version="1.0" encoding="utf-8"?>
-<p:sld xmlns:a="http://schemas.openxmlformats.org/drawingml/2006/main" xmlns:r="http://schemas.openxmlformats.org/officeDocument/2006/relationships" xmlns:p="http://schemas.openxmlformats.org/presentationml/2006/main">
-  <p:cSld>
-    <p:spTree>
-      <p:nvGrpSpPr>
-        <p:cNvPr id="1" name=""/>
-        <p:cNvGrpSpPr/>
-        <p:nvPr/>
-      </p:nvGrpSpPr>
-      <p:grpSpPr>
-        <a:xfrm>
-          <a:off x="0" y="0"/>
-          <a:ext cx="0" cy="0"/>
-          <a:chOff x="0" y="0"/>
-          <a:chExt cx="0" cy="0"/>
-        </a:xfrm>
-      </p:grpSpPr>
-      <p:sp>
-        <p:nvSpPr>
-          <p:cNvPr id="2" name="Title 1"/>
-          <p:cNvSpPr>
-            <a:spLocks noGrp="1"/>
-          </p:cNvSpPr>
-          <p:nvPr>
-            <p:ph type="title"/>
-          </p:nvPr>
-        </p:nvSpPr>
-        <p:spPr>
-          <a:xfrm>
-            <a:off x="76200" y="76200"/>
-            <a:ext cx="8991600" cy="609600"/>
-          </a:xfrm>
-          <a:solidFill>
-            <a:srgbClr val="9E0142"/>
-          </a:solidFill>
-        </p:spPr>
-        <p:txBody>
-          <a:bodyPr>
-            <a:noAutofit/>
-          </a:bodyPr>
-          <a:lstStyle/>
-          <a:p>
-            <a:r>
-              <a:rPr lang="en-US" sz="3200" dirty="0" err="1" smtClean="0"/>
-              <a:t>REDCap</a:t>
-            </a:r>
-            <a:r>
-              <a:rPr lang="en-US" sz="3200" dirty="0" smtClean="0"/>
-              <a:t> </a:t>
-            </a:r>
-            <a:r>
-              <a:rPr lang="en-US" sz="3200" dirty="0"/>
-              <a:t>overview (</a:t>
-            </a:r>
-            <a:r>
-              <a:rPr lang="en-US" sz="3200" dirty="0">
-                <a:hlinkClick r:id="rId2"/>
-              </a:rPr>
-              <a:t>http://project-redcap.org</a:t>
-            </a:r>
-            <a:r>
-              <a:rPr lang="en-US" sz="3200" dirty="0" smtClean="0">
-                <a:hlinkClick r:id="rId2"/>
-              </a:rPr>
-              <a:t>/</a:t>
-            </a:r>
-            <a:r>
-              <a:rPr lang="en-US" sz="3200" dirty="0" smtClean="0"/>
-              <a:t>)</a:t>
-            </a:r>
-            <a:endParaRPr lang="en-US" sz="3200" dirty="0"/>
-          </a:p>
-        </p:txBody>
-      </p:sp>
-      <p:sp>
-        <p:nvSpPr>
-          <p:cNvPr id="3" name="Content Placeholder 2"/>
-          <p:cNvSpPr>
-            <a:spLocks noGrp="1"/>
-          </p:cNvSpPr>
-          <p:nvPr>
-            <p:ph idx="1"/>
-          </p:nvPr>
-        </p:nvSpPr>
-        <p:spPr>
-          <a:xfrm>
-            <a:off x="0" y="685800"/>
-            <a:ext cx="9144000" cy="6172200"/>
-          </a:xfrm>
-        </p:spPr>
-        <p:txBody>
-          <a:bodyPr>
-            <a:normAutofit fontScale="77500" lnSpcReduction="20000"/>
-          </a:bodyPr>
-          <a:lstStyle/>
-          <a:p>
-            <a:r>
-              <a:rPr lang="en-US" dirty="0" smtClean="0"/>
-              <a:t>Secure web application for building and managing surveys and databases.</a:t>
-            </a:r>
-          </a:p>
-          <a:p>
-            <a:pPr lvl="1"/>
-            <a:r>
-              <a:rPr lang="en-US" dirty="0" smtClean="0"/>
-              <a:t>Developed by informatics core at Vanderbilt with support from NCRR and NIH.</a:t>
-            </a:r>
-          </a:p>
-          <a:p>
-            <a:pPr lvl="2"/>
-            <a:r>
-              <a:rPr lang="en-US" dirty="0" smtClean="0"/>
-              <a:t>Designed for academic </a:t>
-            </a:r>
-            <a:r>
-              <a:rPr lang="en-US" smtClean="0"/>
-              <a:t>biomedical researchers.</a:t>
-            </a:r>
-            <a:endParaRPr lang="en-US" dirty="0" smtClean="0"/>
-          </a:p>
-          <a:p>
-            <a:r>
-              <a:rPr lang="en-US" dirty="0" smtClean="0"/>
-              <a:t>Provides:</a:t>
-            </a:r>
-          </a:p>
-          <a:p>
-            <a:pPr lvl="1"/>
-            <a:r>
-              <a:rPr lang="en-US" dirty="0" smtClean="0"/>
-              <a:t>A centralized, back-end storage component</a:t>
-            </a:r>
-            <a:r>
-              <a:rPr lang="en-US" dirty="0"/>
-              <a:t>.</a:t>
-            </a:r>
-            <a:endParaRPr lang="en-US" dirty="0" smtClean="0"/>
-          </a:p>
-          <a:p>
-            <a:pPr lvl="1"/>
-            <a:r>
-              <a:rPr lang="en-US" dirty="0" smtClean="0"/>
-              <a:t>Tools to create an interactive </a:t>
-            </a:r>
-            <a:r>
-              <a:rPr lang="en-US" dirty="0"/>
-              <a:t>front-end </a:t>
-            </a:r>
-            <a:r>
-              <a:rPr lang="en-US" dirty="0" smtClean="0"/>
-              <a:t>html GUI.</a:t>
-            </a:r>
-          </a:p>
-          <a:p>
-            <a:pPr lvl="1"/>
-            <a:r>
-              <a:rPr lang="en-US" dirty="0" smtClean="0"/>
-              <a:t>An API to import &amp; export data.</a:t>
-            </a:r>
-          </a:p>
-          <a:p>
-            <a:pPr lvl="1"/>
-            <a:r>
-              <a:rPr lang="en-US" dirty="0" smtClean="0"/>
-              <a:t>Example templates.</a:t>
-            </a:r>
-          </a:p>
-          <a:p>
-            <a:pPr lvl="1"/>
-            <a:r>
-              <a:rPr lang="en-US" dirty="0" smtClean="0"/>
-              <a:t>Instructional videos for training.</a:t>
-            </a:r>
-          </a:p>
-          <a:p>
-            <a:pPr lvl="1"/>
-            <a:r>
-              <a:rPr lang="en-US" dirty="0" smtClean="0"/>
-              <a:t>User-group network of institutional researchers.</a:t>
-            </a:r>
-          </a:p>
-          <a:p>
-            <a:pPr lvl="1"/>
-            <a:r>
-              <a:rPr lang="en-US" dirty="0"/>
-              <a:t>Also </a:t>
-            </a:r>
-            <a:r>
-              <a:rPr lang="en-US" dirty="0" smtClean="0"/>
-              <a:t>included: built-in </a:t>
-            </a:r>
-            <a:r>
-              <a:rPr lang="en-US" dirty="0"/>
-              <a:t>project calendar, </a:t>
-            </a:r>
-            <a:r>
-              <a:rPr lang="en-US" dirty="0" smtClean="0"/>
-              <a:t>scheduling </a:t>
-            </a:r>
-            <a:r>
-              <a:rPr lang="en-US" dirty="0"/>
-              <a:t>module, ad hoc reporting tools, and advanced features, such as branching logic, file uploading, and calculated fields.</a:t>
-            </a:r>
-            <a:endParaRPr lang="en-US" dirty="0" smtClean="0"/>
-          </a:p>
-          <a:p>
-            <a:r>
-              <a:rPr lang="en-US" dirty="0" smtClean="0"/>
-              <a:t>It can reduce</a:t>
-            </a:r>
-          </a:p>
-          <a:p>
-            <a:pPr lvl="1"/>
-            <a:r>
-              <a:rPr lang="en-US" dirty="0" smtClean="0"/>
-              <a:t>Developing a lot of new software applications.</a:t>
-            </a:r>
-          </a:p>
-          <a:p>
-            <a:pPr lvl="1"/>
-            <a:r>
-              <a:rPr lang="en-US" dirty="0" smtClean="0"/>
-              <a:t>Anxieties related to security of home-grown software.</a:t>
-            </a:r>
-          </a:p>
-        </p:txBody>
-      </p:sp>
-    </p:spTree>
-    <p:extLst>
-      <p:ext uri="{BB962C8B-B14F-4D97-AF65-F5344CB8AC3E}">
-        <p14:creationId xmlns:p14="http://schemas.microsoft.com/office/powerpoint/2010/main" val="3906736802"/>
-      </p:ext>
-    </p:extLst>
-  </p:cSld>
-  <p:clrMapOvr>
-    <a:masterClrMapping/>
-  </p:clrMapOvr>
-  <p:timing>
-    <p:tnLst>
-      <p:par>
-        <p:cTn id="1" dur="indefinite" restart="never" nodeType="tmRoot"/>
-      </p:par>
-    </p:tnLst>
-  </p:timing>
-</p:sld>
-</file>
-
 <file path=ppt/slides/slide5.xml><?xml version="1.0" encoding="utf-8"?>
 <p:sld xmlns:a="http://schemas.openxmlformats.org/drawingml/2006/main" xmlns:r="http://schemas.openxmlformats.org/officeDocument/2006/relationships" xmlns:p="http://schemas.openxmlformats.org/presentationml/2006/main">
   <p:cSld>
@@ -11787,7 +12177,7 @@
         <p:spPr>
           <a:xfrm>
             <a:off x="76200" y="76200"/>
-            <a:ext cx="8991600" cy="762000"/>
+            <a:ext cx="8991600" cy="609600"/>
           </a:xfrm>
           <a:solidFill>
             <a:srgbClr val="9E0142"/>
@@ -11795,16 +12185,19 @@
         </p:spPr>
         <p:txBody>
           <a:bodyPr>
-            <a:normAutofit fontScale="90000"/>
+            <a:noAutofit/>
           </a:bodyPr>
           <a:lstStyle/>
           <a:p>
-            <a:pPr marL="0" indent="0"/>
-            <a:r>
-              <a:rPr lang="en-US" sz="4900" dirty="0" smtClean="0"/>
-              <a:t>REDCap Project Types</a:t>
-            </a:r>
-            <a:endParaRPr lang="en-US" dirty="0"/>
+            <a:r>
+              <a:rPr lang="en-US" sz="4000" dirty="0"/>
+              <a:t>REDCap Software </a:t>
+            </a:r>
+            <a:r>
+              <a:rPr lang="en-US" sz="4000" dirty="0" smtClean="0"/>
+              <a:t>Features Cont.</a:t>
+            </a:r>
+            <a:endParaRPr lang="en-US" sz="4000" dirty="0"/>
           </a:p>
         </p:txBody>
       </p:sp>
@@ -11820,189 +12213,96 @@
         </p:nvSpPr>
         <p:spPr>
           <a:xfrm>
-            <a:off x="0" y="838200"/>
-            <a:ext cx="9144000" cy="6019800"/>
+            <a:off x="0" y="685800"/>
+            <a:ext cx="9144000" cy="6172200"/>
           </a:xfrm>
         </p:spPr>
         <p:txBody>
           <a:bodyPr>
-            <a:normAutofit lnSpcReduction="10000"/>
+            <a:normAutofit/>
           </a:bodyPr>
           <a:lstStyle/>
           <a:p>
-            <a:pPr marL="0" indent="0">
+            <a:pPr marL="460375" indent="-460375">
+              <a:lnSpc>
+                <a:spcPct val="170000"/>
+              </a:lnSpc>
               <a:buNone/>
             </a:pPr>
             <a:r>
-              <a:rPr lang="en-US" sz="1800" dirty="0">
-                <a:solidFill>
-                  <a:schemeClr val="bg1">
-                    <a:lumMod val="50000"/>
-                  </a:schemeClr>
-                </a:solidFill>
-              </a:rPr>
-              <a:t>https://</a:t>
-            </a:r>
-            <a:r>
-              <a:rPr lang="en-US" sz="1800" dirty="0" smtClean="0">
-                <a:solidFill>
-                  <a:schemeClr val="bg1">
-                    <a:lumMod val="50000"/>
-                  </a:schemeClr>
-                </a:solidFill>
-              </a:rPr>
-              <a:t>redcap1.mayo.edu/redcap/index.php?action=training</a:t>
-            </a:r>
-          </a:p>
-          <a:p>
-            <a:pPr marL="514350" indent="-514350">
-              <a:buFont typeface="+mj-lt"/>
-              <a:buAutoNum type="arabicPeriod"/>
+              <a:rPr lang="en-US" b="1" dirty="0" smtClean="0"/>
+              <a:t>Fast and Flexible</a:t>
+            </a:r>
+            <a:r>
+              <a:rPr lang="en-US" dirty="0"/>
+              <a:t> - </a:t>
+            </a:r>
+            <a:r>
+              <a:rPr lang="en-US" dirty="0" smtClean="0"/>
+              <a:t>Conception to production-level database or survey is possible in less than a day.</a:t>
+            </a:r>
+            <a:endParaRPr lang="en-US" dirty="0"/>
+          </a:p>
+          <a:p>
+            <a:pPr marL="460375" indent="-460375">
+              <a:lnSpc>
+                <a:spcPct val="170000"/>
+              </a:lnSpc>
+              <a:buNone/>
             </a:pPr>
             <a:r>
-              <a:rPr lang="en-US" dirty="0" smtClean="0"/>
-              <a:t>Traditional </a:t>
+              <a:rPr lang="en-US" b="1" dirty="0" smtClean="0"/>
+              <a:t>Export Data in Common Formats </a:t>
+            </a:r>
+            <a:r>
+              <a:rPr lang="en-US" dirty="0" smtClean="0"/>
+              <a:t>- REDCap </a:t>
+            </a:r>
+            <a:r>
+              <a:rPr lang="en-US" dirty="0" smtClean="0"/>
+              <a:t>automatically exports data in the following formats: Excel CSV, SAS, </a:t>
+            </a:r>
+            <a:r>
+              <a:rPr lang="en-US" dirty="0" err="1" smtClean="0"/>
+              <a:t>Stata</a:t>
+            </a:r>
+            <a:r>
+              <a:rPr lang="en-US" dirty="0" smtClean="0"/>
+              <a:t>, R, and SPSS</a:t>
+            </a:r>
+            <a:r>
+              <a:rPr lang="en-US" dirty="0" smtClean="0"/>
+              <a:t>.</a:t>
+            </a:r>
+            <a:endParaRPr lang="en-US" dirty="0"/>
+          </a:p>
+          <a:p>
+            <a:pPr marL="460375" indent="-460375">
+              <a:lnSpc>
+                <a:spcPct val="170000"/>
+              </a:lnSpc>
+              <a:buNone/>
+            </a:pPr>
+            <a:r>
+              <a:rPr lang="en-US" b="1" dirty="0" smtClean="0"/>
+              <a:t>Fully Customizable</a:t>
             </a:r>
             <a:r>
               <a:rPr lang="en-US" dirty="0"/>
-              <a:t>Database</a:t>
-            </a:r>
-            <a:r>
-              <a:rPr lang="en-US" dirty="0" smtClean="0"/>
-              <a:t/>
-            </a:r>
-            <a:br>
-              <a:rPr lang="en-US" dirty="0" smtClean="0"/>
-            </a:br>
-            <a:r>
-              <a:rPr lang="en-US" sz="2800" i="1" dirty="0"/>
-              <a:t>classic </a:t>
-            </a:r>
-            <a:r>
-              <a:rPr lang="en-US" sz="2800" i="1" dirty="0" smtClean="0"/>
-              <a:t>model</a:t>
-            </a:r>
-            <a:br>
-              <a:rPr lang="en-US" sz="2800" i="1" dirty="0" smtClean="0"/>
-            </a:br>
-            <a:endParaRPr lang="en-US" sz="2800" i="1" dirty="0" smtClean="0"/>
-          </a:p>
-          <a:p>
-            <a:pPr marL="514350" indent="-514350">
-              <a:buFont typeface="+mj-lt"/>
-              <a:buAutoNum type="arabicPeriod"/>
-            </a:pPr>
-            <a:r>
-              <a:rPr lang="en-US" dirty="0" smtClean="0"/>
-              <a:t>Parent-Child </a:t>
-            </a:r>
-            <a:r>
-              <a:rPr lang="en-US" dirty="0"/>
-              <a:t>Linking</a:t>
-            </a:r>
-            <a:r>
-              <a:rPr lang="en-US" dirty="0" smtClean="0"/>
-              <a:t/>
-            </a:r>
-            <a:br>
-              <a:rPr lang="en-US" dirty="0" smtClean="0"/>
-            </a:br>
-            <a:r>
-              <a:rPr lang="en-US" sz="2800" i="1" dirty="0" err="1"/>
-              <a:t>linking</a:t>
-            </a:r>
-            <a:r>
-              <a:rPr lang="en-US" sz="2800" i="1" dirty="0"/>
-              <a:t> </a:t>
-            </a:r>
-            <a:r>
-              <a:rPr lang="en-US" sz="2800" i="1" dirty="0" smtClean="0"/>
-              <a:t>together multiple databases</a:t>
-            </a:r>
-            <a:br>
-              <a:rPr lang="en-US" sz="2800" i="1" dirty="0" smtClean="0"/>
-            </a:br>
-            <a:endParaRPr lang="en-US" sz="2800" i="1" dirty="0" smtClean="0"/>
-          </a:p>
-          <a:p>
-            <a:pPr marL="514350" indent="-514350">
-              <a:buFont typeface="+mj-lt"/>
-              <a:buAutoNum type="arabicPeriod"/>
-            </a:pPr>
-            <a:r>
-              <a:rPr lang="en-US" dirty="0"/>
-              <a:t>Operations</a:t>
-            </a:r>
-            <a:r>
-              <a:rPr lang="en-US" sz="2800" i="1" dirty="0" smtClean="0"/>
-              <a:t/>
-            </a:r>
-            <a:br>
-              <a:rPr lang="en-US" sz="2800" i="1" dirty="0" smtClean="0"/>
-            </a:br>
-            <a:r>
-              <a:rPr lang="en-US" sz="2800" i="1" dirty="0"/>
-              <a:t>use case for </a:t>
-            </a:r>
-            <a:r>
-              <a:rPr lang="en-US" sz="2800" i="1" dirty="0" smtClean="0"/>
-              <a:t>non-study/non-trial</a:t>
-            </a:r>
-          </a:p>
-          <a:p>
-            <a:pPr marL="514350" indent="-514350">
-              <a:buFont typeface="+mj-lt"/>
-              <a:buAutoNum type="arabicPeriod"/>
-            </a:pPr>
-            <a:endParaRPr lang="en-US" sz="2800" i="1" dirty="0"/>
-          </a:p>
-          <a:p>
-            <a:pPr marL="514350" indent="-514350">
-              <a:buFont typeface="+mj-lt"/>
-              <a:buAutoNum type="arabicPeriod"/>
-            </a:pPr>
-            <a:r>
-              <a:rPr lang="en-US" sz="3600" dirty="0">
-                <a:solidFill>
-                  <a:srgbClr val="00B050"/>
-                </a:solidFill>
-              </a:rPr>
-              <a:t>Longitudinal Database</a:t>
-            </a:r>
-            <a:br>
-              <a:rPr lang="en-US" sz="3600" dirty="0">
-                <a:solidFill>
-                  <a:srgbClr val="00B050"/>
-                </a:solidFill>
-              </a:rPr>
-            </a:br>
-            <a:r>
-              <a:rPr lang="en-US" i="1" dirty="0">
-                <a:solidFill>
-                  <a:srgbClr val="00B050"/>
-                </a:solidFill>
-              </a:rPr>
-              <a:t>multi-use forms with time points</a:t>
-            </a:r>
-            <a:br>
-              <a:rPr lang="en-US" i="1" dirty="0">
-                <a:solidFill>
-                  <a:srgbClr val="00B050"/>
-                </a:solidFill>
-              </a:rPr>
-            </a:br>
-            <a:endParaRPr lang="en-US" i="1" dirty="0">
-              <a:solidFill>
-                <a:srgbClr val="00B050"/>
-              </a:solidFill>
-            </a:endParaRPr>
+              <a:t> - REDCap </a:t>
+            </a:r>
+            <a:r>
+              <a:rPr lang="en-US" dirty="0" smtClean="0"/>
+              <a:t>has the flexibility to allow total control of shaping a database or survey.</a:t>
+            </a:r>
+            <a:endParaRPr lang="en-US" dirty="0"/>
           </a:p>
         </p:txBody>
       </p:sp>
     </p:spTree>
     <p:extLst>
       <p:ext uri="{BB962C8B-B14F-4D97-AF65-F5344CB8AC3E}">
-        <p14:creationId xmlns:p14="http://schemas.microsoft.com/office/powerpoint/2010/main" val="2614485496"/>
+        <p14:creationId xmlns:p14="http://schemas.microsoft.com/office/powerpoint/2010/main" val="3336014312"/>
       </p:ext>
     </p:extLst>
   </p:cSld>
@@ -12049,6 +12349,369 @@
         <p:spPr>
           <a:xfrm>
             <a:off x="76200" y="76200"/>
+            <a:ext cx="8991600" cy="762000"/>
+          </a:xfrm>
+          <a:solidFill>
+            <a:srgbClr val="9E0142"/>
+          </a:solidFill>
+        </p:spPr>
+        <p:txBody>
+          <a:bodyPr>
+            <a:normAutofit fontScale="90000"/>
+          </a:bodyPr>
+          <a:lstStyle/>
+          <a:p>
+            <a:pPr marL="0" indent="0"/>
+            <a:r>
+              <a:rPr lang="en-US" sz="4900" dirty="0" smtClean="0"/>
+              <a:t>REDCap Project Types</a:t>
+            </a:r>
+            <a:endParaRPr lang="en-US" dirty="0"/>
+          </a:p>
+        </p:txBody>
+      </p:sp>
+      <p:sp>
+        <p:nvSpPr>
+          <p:cNvPr id="3" name="Content Placeholder 2"/>
+          <p:cNvSpPr>
+            <a:spLocks noGrp="1"/>
+          </p:cNvSpPr>
+          <p:nvPr>
+            <p:ph idx="1"/>
+          </p:nvPr>
+        </p:nvSpPr>
+        <p:spPr>
+          <a:xfrm>
+            <a:off x="0" y="838200"/>
+            <a:ext cx="9144000" cy="6019800"/>
+          </a:xfrm>
+        </p:spPr>
+        <p:txBody>
+          <a:bodyPr>
+            <a:normAutofit lnSpcReduction="10000"/>
+          </a:bodyPr>
+          <a:lstStyle/>
+          <a:p>
+            <a:pPr marL="0" indent="0">
+              <a:buNone/>
+            </a:pPr>
+            <a:r>
+              <a:rPr lang="en-US" sz="1800" dirty="0">
+                <a:solidFill>
+                  <a:schemeClr val="bg1">
+                    <a:lumMod val="50000"/>
+                  </a:schemeClr>
+                </a:solidFill>
+              </a:rPr>
+              <a:t>https://miechvprojects.ouhsc.edu/redcap/index.php?action=training</a:t>
+            </a:r>
+            <a:endParaRPr lang="en-US" sz="1800" dirty="0" smtClean="0">
+              <a:solidFill>
+                <a:schemeClr val="bg1">
+                  <a:lumMod val="50000"/>
+                </a:schemeClr>
+              </a:solidFill>
+            </a:endParaRPr>
+          </a:p>
+          <a:p>
+            <a:pPr marL="514350" indent="-514350">
+              <a:buFont typeface="+mj-lt"/>
+              <a:buAutoNum type="arabicPeriod"/>
+            </a:pPr>
+            <a:r>
+              <a:rPr lang="en-US" dirty="0" smtClean="0"/>
+              <a:t>Traditional Project</a:t>
+            </a:r>
+            <a:br>
+              <a:rPr lang="en-US" dirty="0" smtClean="0"/>
+            </a:br>
+            <a:r>
+              <a:rPr lang="en-US" i="1" dirty="0" smtClean="0"/>
+              <a:t>classic model with data entry forms</a:t>
+            </a:r>
+          </a:p>
+          <a:p>
+            <a:pPr marL="514350" indent="-514350">
+              <a:buFont typeface="+mj-lt"/>
+              <a:buAutoNum type="arabicPeriod"/>
+            </a:pPr>
+            <a:r>
+              <a:rPr lang="en-US" dirty="0" smtClean="0"/>
+              <a:t>Single Survey Project</a:t>
+            </a:r>
+            <a:br>
+              <a:rPr lang="en-US" dirty="0" smtClean="0"/>
+            </a:br>
+            <a:r>
+              <a:rPr lang="en-US" i="1" dirty="0" smtClean="0"/>
+              <a:t>utilizes only one data collection instrument</a:t>
+            </a:r>
+          </a:p>
+          <a:p>
+            <a:pPr marL="514350" indent="-514350">
+              <a:buFont typeface="+mj-lt"/>
+              <a:buAutoNum type="arabicPeriod"/>
+            </a:pPr>
+            <a:r>
+              <a:rPr lang="en-US" dirty="0" smtClean="0"/>
+              <a:t>Longitudinal Project</a:t>
+            </a:r>
+            <a:r>
+              <a:rPr lang="en-US" i="1" dirty="0" smtClean="0"/>
+              <a:t/>
+            </a:r>
+            <a:br>
+              <a:rPr lang="en-US" i="1" dirty="0" smtClean="0"/>
+            </a:br>
+            <a:r>
+              <a:rPr lang="en-US" i="1" dirty="0" smtClean="0"/>
+              <a:t>multi-use data entry forms with abstract time points</a:t>
+            </a:r>
+            <a:endParaRPr lang="en-US" i="1" dirty="0" smtClean="0"/>
+          </a:p>
+          <a:p>
+            <a:pPr marL="514350" indent="-514350">
+              <a:buFont typeface="+mj-lt"/>
+              <a:buAutoNum type="arabicPeriod"/>
+            </a:pPr>
+            <a:r>
+              <a:rPr lang="en-US" dirty="0" smtClean="0"/>
+              <a:t>Longitudinal Project + Scheduling</a:t>
+            </a:r>
+            <a:br>
+              <a:rPr lang="en-US" dirty="0" smtClean="0"/>
+            </a:br>
+            <a:r>
+              <a:rPr lang="en-US" i="1" dirty="0" smtClean="0"/>
+              <a:t>multi-use data forms </a:t>
+            </a:r>
+            <a:r>
+              <a:rPr lang="en-US" i="1" dirty="0"/>
+              <a:t>with </a:t>
+            </a:r>
+            <a:r>
+              <a:rPr lang="en-US" i="1" dirty="0" smtClean="0"/>
+              <a:t>defined time points</a:t>
+            </a:r>
+          </a:p>
+          <a:p>
+            <a:pPr marL="514350" indent="-514350">
+              <a:buFont typeface="+mj-lt"/>
+              <a:buAutoNum type="arabicPeriod"/>
+            </a:pPr>
+            <a:r>
+              <a:rPr lang="en-US" dirty="0" smtClean="0"/>
+              <a:t>Operations</a:t>
+            </a:r>
+            <a:r>
+              <a:rPr lang="en-US" i="1" dirty="0"/>
+              <a:t/>
+            </a:r>
+            <a:br>
+              <a:rPr lang="en-US" i="1" dirty="0"/>
+            </a:br>
+            <a:r>
+              <a:rPr lang="en-US" i="1" dirty="0" smtClean="0"/>
+              <a:t>use case for non-study/non-trial</a:t>
+            </a:r>
+            <a:endParaRPr lang="en-US" i="1" dirty="0"/>
+          </a:p>
+        </p:txBody>
+      </p:sp>
+    </p:spTree>
+    <p:extLst>
+      <p:ext uri="{BB962C8B-B14F-4D97-AF65-F5344CB8AC3E}">
+        <p14:creationId xmlns:p14="http://schemas.microsoft.com/office/powerpoint/2010/main" val="2614485496"/>
+      </p:ext>
+    </p:extLst>
+  </p:cSld>
+  <p:clrMapOvr>
+    <a:masterClrMapping/>
+  </p:clrMapOvr>
+  <p:timing>
+    <p:tnLst>
+      <p:par>
+        <p:cTn id="1" dur="indefinite" restart="never" nodeType="tmRoot"/>
+      </p:par>
+    </p:tnLst>
+  </p:timing>
+</p:sld>
+</file>
+
+<file path=ppt/slides/slide8.xml><?xml version="1.0" encoding="utf-8"?>
+<p:sld xmlns:a="http://schemas.openxmlformats.org/drawingml/2006/main" xmlns:r="http://schemas.openxmlformats.org/officeDocument/2006/relationships" xmlns:p="http://schemas.openxmlformats.org/presentationml/2006/main">
+  <p:cSld>
+    <p:spTree>
+      <p:nvGrpSpPr>
+        <p:cNvPr id="1" name=""/>
+        <p:cNvGrpSpPr/>
+        <p:nvPr/>
+      </p:nvGrpSpPr>
+      <p:grpSpPr>
+        <a:xfrm>
+          <a:off x="0" y="0"/>
+          <a:ext cx="0" cy="0"/>
+          <a:chOff x="0" y="0"/>
+          <a:chExt cx="0" cy="0"/>
+        </a:xfrm>
+      </p:grpSpPr>
+      <p:sp>
+        <p:nvSpPr>
+          <p:cNvPr id="2" name="Title 1"/>
+          <p:cNvSpPr>
+            <a:spLocks noGrp="1"/>
+          </p:cNvSpPr>
+          <p:nvPr>
+            <p:ph type="title"/>
+          </p:nvPr>
+        </p:nvSpPr>
+        <p:spPr>
+          <a:xfrm>
+            <a:off x="76200" y="76200"/>
+            <a:ext cx="8991600" cy="762000"/>
+          </a:xfrm>
+          <a:solidFill>
+            <a:srgbClr val="9E0142"/>
+          </a:solidFill>
+        </p:spPr>
+        <p:txBody>
+          <a:bodyPr>
+            <a:normAutofit fontScale="90000"/>
+          </a:bodyPr>
+          <a:lstStyle/>
+          <a:p>
+            <a:pPr marL="0" indent="0"/>
+            <a:r>
+              <a:rPr lang="en-US" sz="4900" dirty="0" smtClean="0"/>
+              <a:t>REDCap </a:t>
+            </a:r>
+            <a:r>
+              <a:rPr lang="en-US" sz="4900" dirty="0" smtClean="0"/>
+              <a:t>Data Collection Instruments</a:t>
+            </a:r>
+            <a:endParaRPr lang="en-US" dirty="0"/>
+          </a:p>
+        </p:txBody>
+      </p:sp>
+      <p:sp>
+        <p:nvSpPr>
+          <p:cNvPr id="3" name="Content Placeholder 2"/>
+          <p:cNvSpPr>
+            <a:spLocks noGrp="1"/>
+          </p:cNvSpPr>
+          <p:nvPr>
+            <p:ph idx="1"/>
+          </p:nvPr>
+        </p:nvSpPr>
+        <p:spPr>
+          <a:xfrm>
+            <a:off x="0" y="838200"/>
+            <a:ext cx="9144000" cy="6019800"/>
+          </a:xfrm>
+        </p:spPr>
+        <p:txBody>
+          <a:bodyPr>
+            <a:normAutofit/>
+          </a:bodyPr>
+          <a:lstStyle/>
+          <a:p>
+            <a:pPr marL="0" indent="0">
+              <a:buNone/>
+            </a:pPr>
+            <a:r>
+              <a:rPr lang="en-US" dirty="0" smtClean="0"/>
+              <a:t>REDCap utilizes two types of data collection instruments.</a:t>
+            </a:r>
+          </a:p>
+          <a:p>
+            <a:pPr marL="0" indent="0">
+              <a:buNone/>
+            </a:pPr>
+            <a:endParaRPr lang="en-US" b="1" dirty="0" smtClean="0"/>
+          </a:p>
+          <a:p>
+            <a:pPr marL="0" indent="0">
+              <a:buNone/>
+            </a:pPr>
+            <a:r>
+              <a:rPr lang="en-US" b="1" dirty="0" smtClean="0"/>
+              <a:t>Data Entry Form </a:t>
+            </a:r>
+            <a:r>
+              <a:rPr lang="en-US" dirty="0" smtClean="0"/>
+              <a:t>– Data is entered by authorized REDCap project users.  REDCap log0in acces</a:t>
+            </a:r>
+            <a:r>
+              <a:rPr lang="en-US" dirty="0" smtClean="0"/>
+              <a:t>s and project rights are required to view and edit the data entry forms.</a:t>
+            </a:r>
+          </a:p>
+          <a:p>
+            <a:pPr marL="0" indent="0">
+              <a:buNone/>
+            </a:pPr>
+            <a:r>
+              <a:rPr lang="en-US" b="1" dirty="0" smtClean="0"/>
+              <a:t>Survey</a:t>
+            </a:r>
+            <a:r>
+              <a:rPr lang="en-US" dirty="0" smtClean="0"/>
+              <a:t> – Data is collected directly from participants.  Participants will access questions via a secure webpage.  No authentication is needed.</a:t>
+            </a:r>
+            <a:endParaRPr lang="en-US" b="1" dirty="0"/>
+          </a:p>
+        </p:txBody>
+      </p:sp>
+    </p:spTree>
+    <p:extLst>
+      <p:ext uri="{BB962C8B-B14F-4D97-AF65-F5344CB8AC3E}">
+        <p14:creationId xmlns:p14="http://schemas.microsoft.com/office/powerpoint/2010/main" val="4168066396"/>
+      </p:ext>
+    </p:extLst>
+  </p:cSld>
+  <p:clrMapOvr>
+    <a:masterClrMapping/>
+  </p:clrMapOvr>
+  <p:timing>
+    <p:tnLst>
+      <p:par>
+        <p:cTn id="1" dur="indefinite" restart="never" nodeType="tmRoot"/>
+      </p:par>
+    </p:tnLst>
+  </p:timing>
+</p:sld>
+</file>
+
+<file path=ppt/slides/slide9.xml><?xml version="1.0" encoding="utf-8"?>
+<p:sld xmlns:a="http://schemas.openxmlformats.org/drawingml/2006/main" xmlns:r="http://schemas.openxmlformats.org/officeDocument/2006/relationships" xmlns:p="http://schemas.openxmlformats.org/presentationml/2006/main">
+  <p:cSld>
+    <p:spTree>
+      <p:nvGrpSpPr>
+        <p:cNvPr id="1" name=""/>
+        <p:cNvGrpSpPr/>
+        <p:nvPr/>
+      </p:nvGrpSpPr>
+      <p:grpSpPr>
+        <a:xfrm>
+          <a:off x="0" y="0"/>
+          <a:ext cx="0" cy="0"/>
+          <a:chOff x="0" y="0"/>
+          <a:chExt cx="0" cy="0"/>
+        </a:xfrm>
+      </p:grpSpPr>
+      <p:sp>
+        <p:nvSpPr>
+          <p:cNvPr id="2" name="Title 1"/>
+          <p:cNvSpPr>
+            <a:spLocks noGrp="1"/>
+          </p:cNvSpPr>
+          <p:nvPr>
+            <p:ph type="title"/>
+          </p:nvPr>
+        </p:nvSpPr>
+        <p:spPr>
+          <a:xfrm>
+            <a:off x="76200" y="76200"/>
             <a:ext cx="3200400" cy="1477962"/>
           </a:xfrm>
           <a:solidFill>
@@ -12063,7 +12726,11 @@
           <a:p>
             <a:r>
               <a:rPr lang="en-US" dirty="0" smtClean="0"/>
-              <a:t>Example Data Entry</a:t>
+              <a:t>Example </a:t>
+            </a:r>
+            <a:r>
+              <a:rPr lang="en-US" dirty="0" smtClean="0"/>
+              <a:t>Data Entry</a:t>
             </a:r>
             <a:endParaRPr lang="en-US" dirty="0"/>
           </a:p>
@@ -12129,76 +12796,6 @@
           </a:extLst>
         </p:spPr>
       </p:pic>
-    </p:spTree>
-    <p:extLst>
-      <p:ext uri="{BB962C8B-B14F-4D97-AF65-F5344CB8AC3E}">
-        <p14:creationId xmlns:p14="http://schemas.microsoft.com/office/powerpoint/2010/main" val="3195513023"/>
-      </p:ext>
-    </p:extLst>
-  </p:cSld>
-  <p:clrMapOvr>
-    <a:masterClrMapping/>
-  </p:clrMapOvr>
-  <p:timing>
-    <p:tnLst>
-      <p:par>
-        <p:cTn id="1" dur="indefinite" restart="never" nodeType="tmRoot"/>
-      </p:par>
-    </p:tnLst>
-  </p:timing>
-</p:sld>
-</file>
-
-<file path=ppt/slides/slide8.xml><?xml version="1.0" encoding="utf-8"?>
-<p:sld xmlns:a="http://schemas.openxmlformats.org/drawingml/2006/main" xmlns:r="http://schemas.openxmlformats.org/officeDocument/2006/relationships" xmlns:p="http://schemas.openxmlformats.org/presentationml/2006/main">
-  <p:cSld>
-    <p:spTree>
-      <p:nvGrpSpPr>
-        <p:cNvPr id="1" name=""/>
-        <p:cNvGrpSpPr/>
-        <p:nvPr/>
-      </p:nvGrpSpPr>
-      <p:grpSpPr>
-        <a:xfrm>
-          <a:off x="0" y="0"/>
-          <a:ext cx="0" cy="0"/>
-          <a:chOff x="0" y="0"/>
-          <a:chExt cx="0" cy="0"/>
-        </a:xfrm>
-      </p:grpSpPr>
-      <p:sp>
-        <p:nvSpPr>
-          <p:cNvPr id="2" name="Title 1"/>
-          <p:cNvSpPr>
-            <a:spLocks noGrp="1"/>
-          </p:cNvSpPr>
-          <p:nvPr>
-            <p:ph type="title"/>
-          </p:nvPr>
-        </p:nvSpPr>
-        <p:spPr>
-          <a:xfrm>
-            <a:off x="76200" y="76200"/>
-            <a:ext cx="8991600" cy="609600"/>
-          </a:xfrm>
-          <a:solidFill>
-            <a:srgbClr val="9E0142"/>
-          </a:solidFill>
-        </p:spPr>
-        <p:txBody>
-          <a:bodyPr>
-            <a:normAutofit fontScale="90000"/>
-          </a:bodyPr>
-          <a:lstStyle/>
-          <a:p>
-            <a:r>
-              <a:rPr lang="en-US" dirty="0" smtClean="0"/>
-              <a:t>Thomas’ Data Entry Demonstration</a:t>
-            </a:r>
-            <a:endParaRPr lang="en-US" dirty="0"/>
-          </a:p>
-        </p:txBody>
-      </p:sp>
       <p:sp>
         <p:nvSpPr>
           <p:cNvPr id="3" name="TextBox 2"/>
@@ -12207,8 +12804,8 @@
         </p:nvSpPr>
         <p:spPr>
           <a:xfrm>
-            <a:off x="0" y="1010245"/>
-            <a:ext cx="8001000" cy="5847755"/>
+            <a:off x="76200" y="2135743"/>
+            <a:ext cx="3200400" cy="646331"/>
           </a:xfrm>
           <a:prstGeom prst="rect">
             <a:avLst/>
@@ -12221,259 +12818,18 @@
           </a:bodyPr>
           <a:lstStyle/>
           <a:p>
-            <a:pPr marL="514350" indent="-514350">
-              <a:buFont typeface="+mj-lt"/>
-              <a:buAutoNum type="arabicPeriod"/>
-            </a:pPr>
-            <a:r>
-              <a:rPr lang="en-US" sz="3600" dirty="0" smtClean="0"/>
-              <a:t>Go to </a:t>
-            </a:r>
-            <a:r>
-              <a:rPr lang="en-US" sz="3600" dirty="0">
-                <a:hlinkClick r:id="rId2"/>
-              </a:rPr>
-              <a:t>https</a:t>
-            </a:r>
-            <a:r>
-              <a:rPr lang="en-US" sz="3600" dirty="0" smtClean="0">
-                <a:hlinkClick r:id="rId2"/>
-              </a:rPr>
-              <a:t>://zzzzzzzzz.ouhsc.edu</a:t>
-            </a:r>
-            <a:r>
-              <a:rPr lang="en-US" sz="3600" dirty="0">
-                <a:hlinkClick r:id="rId2"/>
-              </a:rPr>
-              <a:t>/</a:t>
-            </a:r>
-            <a:endParaRPr lang="en-US" sz="3600" dirty="0"/>
-          </a:p>
-          <a:p>
-            <a:pPr marL="514350" indent="-514350">
-              <a:buFont typeface="+mj-lt"/>
-              <a:buAutoNum type="arabicPeriod"/>
-            </a:pPr>
-            <a:endParaRPr lang="en-US" sz="3600" dirty="0" smtClean="0"/>
-          </a:p>
-          <a:p>
-            <a:pPr marL="514350" indent="-514350">
-              <a:buFont typeface="+mj-lt"/>
-              <a:buAutoNum type="arabicPeriod"/>
-            </a:pPr>
-            <a:r>
-              <a:rPr lang="en-US" sz="3600" dirty="0" smtClean="0"/>
-              <a:t>Login</a:t>
-            </a:r>
-            <a:br>
-              <a:rPr lang="en-US" sz="3600" dirty="0" smtClean="0"/>
-            </a:br>
-            <a:endParaRPr lang="en-US" sz="3600" dirty="0" smtClean="0"/>
-          </a:p>
-          <a:p>
-            <a:pPr marL="514350" indent="-514350">
-              <a:buFont typeface="+mj-lt"/>
-              <a:buAutoNum type="arabicPeriod"/>
-            </a:pPr>
-            <a:r>
-              <a:rPr lang="en-US" sz="3600" dirty="0" smtClean="0"/>
-              <a:t>Select project “testing123”</a:t>
-            </a:r>
-            <a:br>
-              <a:rPr lang="en-US" sz="3600" dirty="0" smtClean="0"/>
-            </a:br>
-            <a:endParaRPr lang="en-US" sz="3600" dirty="0" smtClean="0"/>
-          </a:p>
-          <a:p>
-            <a:pPr marL="514350" indent="-514350">
-              <a:buFont typeface="+mj-lt"/>
-              <a:buAutoNum type="arabicPeriod"/>
-            </a:pPr>
-            <a:r>
-              <a:rPr lang="en-US" sz="3600" dirty="0" smtClean="0"/>
-              <a:t>Enter some more test data</a:t>
-            </a:r>
-            <a:br>
-              <a:rPr lang="en-US" sz="3600" dirty="0" smtClean="0"/>
-            </a:br>
-            <a:endParaRPr lang="en-US" sz="3600" dirty="0" smtClean="0"/>
-          </a:p>
-          <a:p>
-            <a:pPr marL="514350" indent="-514350">
-              <a:buFont typeface="+mj-lt"/>
-              <a:buAutoNum type="arabicPeriod"/>
-            </a:pPr>
-            <a:r>
-              <a:rPr lang="en-US" sz="3600" dirty="0" smtClean="0"/>
-              <a:t>Create a calendar entry</a:t>
-            </a:r>
-          </a:p>
-          <a:p>
-            <a:pPr marL="514350" indent="-514350">
-              <a:buFont typeface="+mj-lt"/>
-              <a:buAutoNum type="arabicPeriod"/>
-            </a:pPr>
-            <a:endParaRPr lang="en-US" sz="3200" dirty="0"/>
-          </a:p>
-          <a:p>
-            <a:r>
-              <a:rPr lang="en-US" dirty="0" smtClean="0">
-                <a:solidFill>
-                  <a:schemeClr val="bg1">
-                    <a:lumMod val="50000"/>
-                  </a:schemeClr>
-                </a:solidFill>
-              </a:rPr>
-              <a:t>(Note: the exact address has been changed for security purposes.)</a:t>
-            </a:r>
-            <a:endParaRPr lang="en-US" dirty="0">
-              <a:solidFill>
-                <a:schemeClr val="bg1">
-                  <a:lumMod val="50000"/>
-                </a:schemeClr>
-              </a:solidFill>
-            </a:endParaRPr>
+            <a:r>
+              <a:rPr lang="en-US" dirty="0" smtClean="0"/>
+              <a:t>Example of data entry utilizing a REDCap data entry form.</a:t>
+            </a:r>
+            <a:endParaRPr lang="en-US" dirty="0"/>
           </a:p>
         </p:txBody>
       </p:sp>
     </p:spTree>
     <p:extLst>
       <p:ext uri="{BB962C8B-B14F-4D97-AF65-F5344CB8AC3E}">
-        <p14:creationId xmlns:p14="http://schemas.microsoft.com/office/powerpoint/2010/main" val="587853936"/>
-      </p:ext>
-    </p:extLst>
-  </p:cSld>
-  <p:clrMapOvr>
-    <a:masterClrMapping/>
-  </p:clrMapOvr>
-  <p:timing>
-    <p:tnLst>
-      <p:par>
-        <p:cTn id="1" dur="indefinite" restart="never" nodeType="tmRoot"/>
-      </p:par>
-    </p:tnLst>
-  </p:timing>
-</p:sld>
-</file>
-
-<file path=ppt/slides/slide9.xml><?xml version="1.0" encoding="utf-8"?>
-<p:sld xmlns:a="http://schemas.openxmlformats.org/drawingml/2006/main" xmlns:r="http://schemas.openxmlformats.org/officeDocument/2006/relationships" xmlns:p="http://schemas.openxmlformats.org/presentationml/2006/main">
-  <p:cSld>
-    <p:spTree>
-      <p:nvGrpSpPr>
-        <p:cNvPr id="1" name=""/>
-        <p:cNvGrpSpPr/>
-        <p:nvPr/>
-      </p:nvGrpSpPr>
-      <p:grpSpPr>
-        <a:xfrm>
-          <a:off x="0" y="0"/>
-          <a:ext cx="0" cy="0"/>
-          <a:chOff x="0" y="0"/>
-          <a:chExt cx="0" cy="0"/>
-        </a:xfrm>
-      </p:grpSpPr>
-      <p:sp>
-        <p:nvSpPr>
-          <p:cNvPr id="2" name="Title 1"/>
-          <p:cNvSpPr>
-            <a:spLocks noGrp="1"/>
-          </p:cNvSpPr>
-          <p:nvPr>
-            <p:ph type="title"/>
-          </p:nvPr>
-        </p:nvSpPr>
-        <p:spPr>
-          <a:xfrm>
-            <a:off x="76200" y="76200"/>
-            <a:ext cx="8991600" cy="609600"/>
-          </a:xfrm>
-          <a:solidFill>
-            <a:srgbClr val="9E0142"/>
-          </a:solidFill>
-        </p:spPr>
-        <p:txBody>
-          <a:bodyPr>
-            <a:normAutofit fontScale="90000"/>
-          </a:bodyPr>
-          <a:lstStyle/>
-          <a:p>
-            <a:r>
-              <a:rPr lang="en-US" dirty="0" smtClean="0"/>
-              <a:t>Possible REDCap Workflows</a:t>
-            </a:r>
-            <a:endParaRPr lang="en-US" dirty="0"/>
-          </a:p>
-        </p:txBody>
-      </p:sp>
-      <p:pic>
-        <p:nvPicPr>
-          <p:cNvPr id="4100" name="Picture 4"/>
-          <p:cNvPicPr>
-            <a:picLocks noChangeAspect="1" noChangeArrowheads="1"/>
-          </p:cNvPicPr>
-          <p:nvPr/>
-        </p:nvPicPr>
-        <p:blipFill>
-          <a:blip r:embed="rId2">
-            <a:extLst>
-              <a:ext uri="{28A0092B-C50C-407E-A947-70E740481C1C}">
-                <a14:useLocalDpi xmlns:a14="http://schemas.microsoft.com/office/drawing/2010/main" val="0"/>
-              </a:ext>
-            </a:extLst>
-          </a:blip>
-          <a:srcRect/>
-          <a:stretch>
-            <a:fillRect/>
-          </a:stretch>
-        </p:blipFill>
-        <p:spPr bwMode="auto">
-          <a:xfrm>
-            <a:off x="-1" y="826884"/>
-            <a:ext cx="9144001" cy="5802516"/>
-          </a:xfrm>
-          <a:prstGeom prst="rect">
-            <a:avLst/>
-          </a:prstGeom>
-          <a:noFill/>
-          <a:ln>
-            <a:noFill/>
-          </a:ln>
-          <a:effectLst/>
-          <a:extLst>
-            <a:ext uri="{909E8E84-426E-40DD-AFC4-6F175D3DCCD1}">
-              <a14:hiddenFill xmlns:a14="http://schemas.microsoft.com/office/drawing/2010/main">
-                <a:solidFill>
-                  <a:schemeClr val="accent1"/>
-                </a:solidFill>
-              </a14:hiddenFill>
-            </a:ext>
-            <a:ext uri="{91240B29-F687-4F45-9708-019B960494DF}">
-              <a14:hiddenLine xmlns:a14="http://schemas.microsoft.com/office/drawing/2010/main" w="9525">
-                <a:solidFill>
-                  <a:schemeClr val="tx1"/>
-                </a:solidFill>
-                <a:miter lim="800000"/>
-                <a:headEnd/>
-                <a:tailEnd/>
-              </a14:hiddenLine>
-            </a:ext>
-            <a:ext uri="{AF507438-7753-43E0-B8FC-AC1667EBCBE1}">
-              <a14:hiddenEffects xmlns:a14="http://schemas.microsoft.com/office/drawing/2010/main">
-                <a:effectLst>
-                  <a:outerShdw dist="35921" dir="2700000" algn="ctr" rotWithShape="0">
-                    <a:schemeClr val="bg2"/>
-                  </a:outerShdw>
-                </a:effectLst>
-              </a14:hiddenEffects>
-            </a:ext>
-          </a:extLst>
-        </p:spPr>
-      </p:pic>
-    </p:spTree>
-    <p:extLst>
-      <p:ext uri="{BB962C8B-B14F-4D97-AF65-F5344CB8AC3E}">
-        <p14:creationId xmlns:p14="http://schemas.microsoft.com/office/powerpoint/2010/main" val="3442304035"/>
+        <p14:creationId xmlns:p14="http://schemas.microsoft.com/office/powerpoint/2010/main" val="3195513023"/>
       </p:ext>
     </p:extLst>
   </p:cSld>
